--- a/docs/diagrams/FindSequenceDiagram.pptx
+++ b/docs/diagrams/FindSequenceDiagram.pptx
@@ -10,14 +10,14 @@
   <p:sldIdLst>
     <p:sldId id="266" r:id="rId2"/>
   </p:sldIdLst>
-  <p:sldSz cx="9144000" cy="6858000" type="screen4x3"/>
+  <p:sldSz cx="18000663" cy="8999538"/>
   <p:notesSz cx="6858000" cy="9144000"/>
   <p:defaultTextStyle>
     <a:defPPr>
       <a:defRPr lang="en-US"/>
     </a:defPPr>
-    <a:lvl1pPr marL="0" algn="l" defTabSz="914400" rtl="0" eaLnBrk="1" latinLnBrk="0" hangingPunct="1">
-      <a:defRPr sz="1800" kern="1200">
+    <a:lvl1pPr marL="0" algn="l" defTabSz="1542682" rtl="0" eaLnBrk="1" latinLnBrk="0" hangingPunct="1">
+      <a:defRPr sz="3037" kern="1200">
         <a:solidFill>
           <a:schemeClr val="tx1"/>
         </a:solidFill>
@@ -26,8 +26,8 @@
         <a:cs typeface="+mn-cs"/>
       </a:defRPr>
     </a:lvl1pPr>
-    <a:lvl2pPr marL="457200" algn="l" defTabSz="914400" rtl="0" eaLnBrk="1" latinLnBrk="0" hangingPunct="1">
-      <a:defRPr sz="1800" kern="1200">
+    <a:lvl2pPr marL="771341" algn="l" defTabSz="1542682" rtl="0" eaLnBrk="1" latinLnBrk="0" hangingPunct="1">
+      <a:defRPr sz="3037" kern="1200">
         <a:solidFill>
           <a:schemeClr val="tx1"/>
         </a:solidFill>
@@ -36,8 +36,8 @@
         <a:cs typeface="+mn-cs"/>
       </a:defRPr>
     </a:lvl2pPr>
-    <a:lvl3pPr marL="914400" algn="l" defTabSz="914400" rtl="0" eaLnBrk="1" latinLnBrk="0" hangingPunct="1">
-      <a:defRPr sz="1800" kern="1200">
+    <a:lvl3pPr marL="1542682" algn="l" defTabSz="1542682" rtl="0" eaLnBrk="1" latinLnBrk="0" hangingPunct="1">
+      <a:defRPr sz="3037" kern="1200">
         <a:solidFill>
           <a:schemeClr val="tx1"/>
         </a:solidFill>
@@ -46,8 +46,8 @@
         <a:cs typeface="+mn-cs"/>
       </a:defRPr>
     </a:lvl3pPr>
-    <a:lvl4pPr marL="1371600" algn="l" defTabSz="914400" rtl="0" eaLnBrk="1" latinLnBrk="0" hangingPunct="1">
-      <a:defRPr sz="1800" kern="1200">
+    <a:lvl4pPr marL="2314022" algn="l" defTabSz="1542682" rtl="0" eaLnBrk="1" latinLnBrk="0" hangingPunct="1">
+      <a:defRPr sz="3037" kern="1200">
         <a:solidFill>
           <a:schemeClr val="tx1"/>
         </a:solidFill>
@@ -56,8 +56,8 @@
         <a:cs typeface="+mn-cs"/>
       </a:defRPr>
     </a:lvl4pPr>
-    <a:lvl5pPr marL="1828800" algn="l" defTabSz="914400" rtl="0" eaLnBrk="1" latinLnBrk="0" hangingPunct="1">
-      <a:defRPr sz="1800" kern="1200">
+    <a:lvl5pPr marL="3085365" algn="l" defTabSz="1542682" rtl="0" eaLnBrk="1" latinLnBrk="0" hangingPunct="1">
+      <a:defRPr sz="3037" kern="1200">
         <a:solidFill>
           <a:schemeClr val="tx1"/>
         </a:solidFill>
@@ -66,8 +66,8 @@
         <a:cs typeface="+mn-cs"/>
       </a:defRPr>
     </a:lvl5pPr>
-    <a:lvl6pPr marL="2286000" algn="l" defTabSz="914400" rtl="0" eaLnBrk="1" latinLnBrk="0" hangingPunct="1">
-      <a:defRPr sz="1800" kern="1200">
+    <a:lvl6pPr marL="3856705" algn="l" defTabSz="1542682" rtl="0" eaLnBrk="1" latinLnBrk="0" hangingPunct="1">
+      <a:defRPr sz="3037" kern="1200">
         <a:solidFill>
           <a:schemeClr val="tx1"/>
         </a:solidFill>
@@ -76,8 +76,8 @@
         <a:cs typeface="+mn-cs"/>
       </a:defRPr>
     </a:lvl6pPr>
-    <a:lvl7pPr marL="2743200" algn="l" defTabSz="914400" rtl="0" eaLnBrk="1" latinLnBrk="0" hangingPunct="1">
-      <a:defRPr sz="1800" kern="1200">
+    <a:lvl7pPr marL="4628046" algn="l" defTabSz="1542682" rtl="0" eaLnBrk="1" latinLnBrk="0" hangingPunct="1">
+      <a:defRPr sz="3037" kern="1200">
         <a:solidFill>
           <a:schemeClr val="tx1"/>
         </a:solidFill>
@@ -86,8 +86,8 @@
         <a:cs typeface="+mn-cs"/>
       </a:defRPr>
     </a:lvl7pPr>
-    <a:lvl8pPr marL="3200400" algn="l" defTabSz="914400" rtl="0" eaLnBrk="1" latinLnBrk="0" hangingPunct="1">
-      <a:defRPr sz="1800" kern="1200">
+    <a:lvl8pPr marL="5399387" algn="l" defTabSz="1542682" rtl="0" eaLnBrk="1" latinLnBrk="0" hangingPunct="1">
+      <a:defRPr sz="3037" kern="1200">
         <a:solidFill>
           <a:schemeClr val="tx1"/>
         </a:solidFill>
@@ -96,8 +96,8 @@
         <a:cs typeface="+mn-cs"/>
       </a:defRPr>
     </a:lvl8pPr>
-    <a:lvl9pPr marL="3657600" algn="l" defTabSz="914400" rtl="0" eaLnBrk="1" latinLnBrk="0" hangingPunct="1">
-      <a:defRPr sz="1800" kern="1200">
+    <a:lvl9pPr marL="6170728" algn="l" defTabSz="1542682" rtl="0" eaLnBrk="1" latinLnBrk="0" hangingPunct="1">
+      <a:defRPr sz="3037" kern="1200">
         <a:solidFill>
           <a:schemeClr val="tx1"/>
         </a:solidFill>
@@ -110,17 +110,20 @@
   <p:extLst>
     <p:ext uri="{EFAFB233-063F-42B5-8137-9DF3F51BA10A}">
       <p15:sldGuideLst xmlns:p15="http://schemas.microsoft.com/office/powerpoint/2012/main">
-        <p15:guide id="1" orient="horz" pos="1488">
+        <p15:guide id="1" orient="horz" pos="1953" userDrawn="1">
           <p15:clr>
             <a:srgbClr val="A4A3A4"/>
           </p15:clr>
         </p15:guide>
-        <p15:guide id="2" pos="2880">
+        <p15:guide id="2" pos="5670" userDrawn="1">
           <p15:clr>
             <a:srgbClr val="A4A3A4"/>
           </p15:clr>
         </p15:guide>
       </p15:sldGuideLst>
+    </p:ext>
+    <p:ext uri="{2D200454-40CA-4A62-9FC3-DE9A4176ACB9}">
+      <p15:notesGuideLst xmlns:p15="http://schemas.microsoft.com/office/powerpoint/2012/main"/>
     </p:ext>
   </p:extLst>
 </p:presentation>
@@ -226,8 +229,8 @@
         </p:nvSpPr>
         <p:spPr>
           <a:xfrm>
-            <a:off x="1143000" y="685800"/>
-            <a:ext cx="4572000" cy="3429000"/>
+            <a:off x="0" y="685800"/>
+            <a:ext cx="6858000" cy="3429000"/>
           </a:xfrm>
           <a:prstGeom prst="rect">
             <a:avLst/>
@@ -381,8 +384,8 @@
   </p:cSld>
   <p:clrMap bg1="lt1" tx1="dk1" bg2="lt2" tx2="dk2" accent1="accent1" accent2="accent2" accent3="accent3" accent4="accent4" accent5="accent5" accent6="accent6" hlink="hlink" folHlink="folHlink"/>
   <p:notesStyle>
-    <a:lvl1pPr marL="0" algn="l" defTabSz="914400" rtl="0" eaLnBrk="1" latinLnBrk="0" hangingPunct="1">
-      <a:defRPr sz="1200" kern="1200">
+    <a:lvl1pPr marL="0" algn="l" defTabSz="1542682" rtl="0" eaLnBrk="1" latinLnBrk="0" hangingPunct="1">
+      <a:defRPr sz="2025" kern="1200">
         <a:solidFill>
           <a:schemeClr val="tx1"/>
         </a:solidFill>
@@ -391,8 +394,8 @@
         <a:cs typeface="+mn-cs"/>
       </a:defRPr>
     </a:lvl1pPr>
-    <a:lvl2pPr marL="457200" algn="l" defTabSz="914400" rtl="0" eaLnBrk="1" latinLnBrk="0" hangingPunct="1">
-      <a:defRPr sz="1200" kern="1200">
+    <a:lvl2pPr marL="771341" algn="l" defTabSz="1542682" rtl="0" eaLnBrk="1" latinLnBrk="0" hangingPunct="1">
+      <a:defRPr sz="2025" kern="1200">
         <a:solidFill>
           <a:schemeClr val="tx1"/>
         </a:solidFill>
@@ -401,8 +404,8 @@
         <a:cs typeface="+mn-cs"/>
       </a:defRPr>
     </a:lvl2pPr>
-    <a:lvl3pPr marL="914400" algn="l" defTabSz="914400" rtl="0" eaLnBrk="1" latinLnBrk="0" hangingPunct="1">
-      <a:defRPr sz="1200" kern="1200">
+    <a:lvl3pPr marL="1542682" algn="l" defTabSz="1542682" rtl="0" eaLnBrk="1" latinLnBrk="0" hangingPunct="1">
+      <a:defRPr sz="2025" kern="1200">
         <a:solidFill>
           <a:schemeClr val="tx1"/>
         </a:solidFill>
@@ -411,8 +414,8 @@
         <a:cs typeface="+mn-cs"/>
       </a:defRPr>
     </a:lvl3pPr>
-    <a:lvl4pPr marL="1371600" algn="l" defTabSz="914400" rtl="0" eaLnBrk="1" latinLnBrk="0" hangingPunct="1">
-      <a:defRPr sz="1200" kern="1200">
+    <a:lvl4pPr marL="2314022" algn="l" defTabSz="1542682" rtl="0" eaLnBrk="1" latinLnBrk="0" hangingPunct="1">
+      <a:defRPr sz="2025" kern="1200">
         <a:solidFill>
           <a:schemeClr val="tx1"/>
         </a:solidFill>
@@ -421,8 +424,8 @@
         <a:cs typeface="+mn-cs"/>
       </a:defRPr>
     </a:lvl4pPr>
-    <a:lvl5pPr marL="1828800" algn="l" defTabSz="914400" rtl="0" eaLnBrk="1" latinLnBrk="0" hangingPunct="1">
-      <a:defRPr sz="1200" kern="1200">
+    <a:lvl5pPr marL="3085365" algn="l" defTabSz="1542682" rtl="0" eaLnBrk="1" latinLnBrk="0" hangingPunct="1">
+      <a:defRPr sz="2025" kern="1200">
         <a:solidFill>
           <a:schemeClr val="tx1"/>
         </a:solidFill>
@@ -431,8 +434,8 @@
         <a:cs typeface="+mn-cs"/>
       </a:defRPr>
     </a:lvl5pPr>
-    <a:lvl6pPr marL="2286000" algn="l" defTabSz="914400" rtl="0" eaLnBrk="1" latinLnBrk="0" hangingPunct="1">
-      <a:defRPr sz="1200" kern="1200">
+    <a:lvl6pPr marL="3856705" algn="l" defTabSz="1542682" rtl="0" eaLnBrk="1" latinLnBrk="0" hangingPunct="1">
+      <a:defRPr sz="2025" kern="1200">
         <a:solidFill>
           <a:schemeClr val="tx1"/>
         </a:solidFill>
@@ -441,8 +444,8 @@
         <a:cs typeface="+mn-cs"/>
       </a:defRPr>
     </a:lvl6pPr>
-    <a:lvl7pPr marL="2743200" algn="l" defTabSz="914400" rtl="0" eaLnBrk="1" latinLnBrk="0" hangingPunct="1">
-      <a:defRPr sz="1200" kern="1200">
+    <a:lvl7pPr marL="4628046" algn="l" defTabSz="1542682" rtl="0" eaLnBrk="1" latinLnBrk="0" hangingPunct="1">
+      <a:defRPr sz="2025" kern="1200">
         <a:solidFill>
           <a:schemeClr val="tx1"/>
         </a:solidFill>
@@ -451,8 +454,8 @@
         <a:cs typeface="+mn-cs"/>
       </a:defRPr>
     </a:lvl7pPr>
-    <a:lvl8pPr marL="3200400" algn="l" defTabSz="914400" rtl="0" eaLnBrk="1" latinLnBrk="0" hangingPunct="1">
-      <a:defRPr sz="1200" kern="1200">
+    <a:lvl8pPr marL="5399387" algn="l" defTabSz="1542682" rtl="0" eaLnBrk="1" latinLnBrk="0" hangingPunct="1">
+      <a:defRPr sz="2025" kern="1200">
         <a:solidFill>
           <a:schemeClr val="tx1"/>
         </a:solidFill>
@@ -461,8 +464,8 @@
         <a:cs typeface="+mn-cs"/>
       </a:defRPr>
     </a:lvl8pPr>
-    <a:lvl9pPr marL="3657600" algn="l" defTabSz="914400" rtl="0" eaLnBrk="1" latinLnBrk="0" hangingPunct="1">
-      <a:defRPr sz="1200" kern="1200">
+    <a:lvl9pPr marL="6170728" algn="l" defTabSz="1542682" rtl="0" eaLnBrk="1" latinLnBrk="0" hangingPunct="1">
+      <a:defRPr sz="2025" kern="1200">
         <a:solidFill>
           <a:schemeClr val="tx1"/>
         </a:solidFill>
@@ -502,7 +505,12 @@
             <p:ph type="sldImg"/>
           </p:nvPr>
         </p:nvSpPr>
-        <p:spPr/>
+        <p:spPr>
+          <a:xfrm>
+            <a:off x="0" y="685800"/>
+            <a:ext cx="6858000" cy="3429000"/>
+          </a:xfrm>
+        </p:spPr>
       </p:sp>
       <p:sp>
         <p:nvSpPr>
@@ -588,8 +596,8 @@
         </p:nvSpPr>
         <p:spPr>
           <a:xfrm>
-            <a:off x="685800" y="2130425"/>
-            <a:ext cx="7772400" cy="1470025"/>
+            <a:off x="1350051" y="2795705"/>
+            <a:ext cx="15300564" cy="1929068"/>
           </a:xfrm>
         </p:spPr>
         <p:txBody>
@@ -615,8 +623,8 @@
         </p:nvSpPr>
         <p:spPr>
           <a:xfrm>
-            <a:off x="1371600" y="3886200"/>
-            <a:ext cx="6400800" cy="1752600"/>
+            <a:off x="2700101" y="5099738"/>
+            <a:ext cx="12600464" cy="2299882"/>
           </a:xfrm>
         </p:spPr>
         <p:txBody>
@@ -632,7 +640,7 @@
                 </a:solidFill>
               </a:defRPr>
             </a:lvl1pPr>
-            <a:lvl2pPr marL="457200" indent="0" algn="ctr">
+            <a:lvl2pPr marL="600037" indent="0" algn="ctr">
               <a:buNone/>
               <a:defRPr>
                 <a:solidFill>
@@ -642,7 +650,7 @@
                 </a:solidFill>
               </a:defRPr>
             </a:lvl2pPr>
-            <a:lvl3pPr marL="914400" indent="0" algn="ctr">
+            <a:lvl3pPr marL="1200075" indent="0" algn="ctr">
               <a:buNone/>
               <a:defRPr>
                 <a:solidFill>
@@ -652,7 +660,7 @@
                 </a:solidFill>
               </a:defRPr>
             </a:lvl3pPr>
-            <a:lvl4pPr marL="1371600" indent="0" algn="ctr">
+            <a:lvl4pPr marL="1800113" indent="0" algn="ctr">
               <a:buNone/>
               <a:defRPr>
                 <a:solidFill>
@@ -662,7 +670,7 @@
                 </a:solidFill>
               </a:defRPr>
             </a:lvl4pPr>
-            <a:lvl5pPr marL="1828800" indent="0" algn="ctr">
+            <a:lvl5pPr marL="2400149" indent="0" algn="ctr">
               <a:buNone/>
               <a:defRPr>
                 <a:solidFill>
@@ -672,7 +680,7 @@
                 </a:solidFill>
               </a:defRPr>
             </a:lvl5pPr>
-            <a:lvl6pPr marL="2286000" indent="0" algn="ctr">
+            <a:lvl6pPr marL="3000187" indent="0" algn="ctr">
               <a:buNone/>
               <a:defRPr>
                 <a:solidFill>
@@ -682,7 +690,7 @@
                 </a:solidFill>
               </a:defRPr>
             </a:lvl6pPr>
-            <a:lvl7pPr marL="2743200" indent="0" algn="ctr">
+            <a:lvl7pPr marL="3600224" indent="0" algn="ctr">
               <a:buNone/>
               <a:defRPr>
                 <a:solidFill>
@@ -692,7 +700,7 @@
                 </a:solidFill>
               </a:defRPr>
             </a:lvl7pPr>
-            <a:lvl8pPr marL="3200400" indent="0" algn="ctr">
+            <a:lvl8pPr marL="4200262" indent="0" algn="ctr">
               <a:buNone/>
               <a:defRPr>
                 <a:solidFill>
@@ -702,7 +710,7 @@
                 </a:solidFill>
               </a:defRPr>
             </a:lvl8pPr>
-            <a:lvl9pPr marL="3657600" indent="0" algn="ctr">
+            <a:lvl9pPr marL="4800299" indent="0" algn="ctr">
               <a:buNone/>
               <a:defRPr>
                 <a:solidFill>
@@ -996,8 +1004,8 @@
         </p:nvSpPr>
         <p:spPr>
           <a:xfrm>
-            <a:off x="6629400" y="274638"/>
-            <a:ext cx="2057400" cy="5851525"/>
+            <a:off x="13050481" y="360414"/>
+            <a:ext cx="4050149" cy="7678772"/>
           </a:xfrm>
         </p:spPr>
         <p:txBody>
@@ -1023,8 +1031,8 @@
         </p:nvSpPr>
         <p:spPr>
           <a:xfrm>
-            <a:off x="457200" y="274638"/>
-            <a:ext cx="6019800" cy="5851525"/>
+            <a:off x="900033" y="360414"/>
+            <a:ext cx="11850436" cy="7678772"/>
           </a:xfrm>
         </p:spPr>
         <p:txBody>
@@ -1342,15 +1350,15 @@
         </p:nvSpPr>
         <p:spPr>
           <a:xfrm>
-            <a:off x="722313" y="4406900"/>
-            <a:ext cx="7772400" cy="1362075"/>
+            <a:off x="1421930" y="5783052"/>
+            <a:ext cx="15300564" cy="1787408"/>
           </a:xfrm>
         </p:spPr>
         <p:txBody>
           <a:bodyPr anchor="t"/>
           <a:lstStyle>
             <a:lvl1pPr algn="l">
-              <a:defRPr sz="4000" b="1" cap="all"/>
+              <a:defRPr sz="5249" b="1" cap="all"/>
             </a:lvl1pPr>
           </a:lstStyle>
           <a:p>
@@ -1373,8 +1381,8 @@
         </p:nvSpPr>
         <p:spPr>
           <a:xfrm>
-            <a:off x="722313" y="2906713"/>
-            <a:ext cx="7772400" cy="1500187"/>
+            <a:off x="1421930" y="3814398"/>
+            <a:ext cx="15300564" cy="1968648"/>
           </a:xfrm>
         </p:spPr>
         <p:txBody>
@@ -1382,7 +1390,7 @@
           <a:lstStyle>
             <a:lvl1pPr marL="0" indent="0">
               <a:buNone/>
-              <a:defRPr sz="2000">
+              <a:defRPr sz="2625">
                 <a:solidFill>
                   <a:schemeClr val="tx1">
                     <a:tint val="75000"/>
@@ -1390,9 +1398,9 @@
                 </a:solidFill>
               </a:defRPr>
             </a:lvl1pPr>
-            <a:lvl2pPr marL="457200" indent="0">
+            <a:lvl2pPr marL="600037" indent="0">
               <a:buNone/>
-              <a:defRPr sz="1800">
+              <a:defRPr sz="2362">
                 <a:solidFill>
                   <a:schemeClr val="tx1">
                     <a:tint val="75000"/>
@@ -1400,9 +1408,9 @@
                 </a:solidFill>
               </a:defRPr>
             </a:lvl2pPr>
-            <a:lvl3pPr marL="914400" indent="0">
+            <a:lvl3pPr marL="1200075" indent="0">
               <a:buNone/>
-              <a:defRPr sz="1600">
+              <a:defRPr sz="2100">
                 <a:solidFill>
                   <a:schemeClr val="tx1">
                     <a:tint val="75000"/>
@@ -1410,9 +1418,9 @@
                 </a:solidFill>
               </a:defRPr>
             </a:lvl3pPr>
-            <a:lvl4pPr marL="1371600" indent="0">
+            <a:lvl4pPr marL="1800113" indent="0">
               <a:buNone/>
-              <a:defRPr sz="1400">
+              <a:defRPr sz="1837">
                 <a:solidFill>
                   <a:schemeClr val="tx1">
                     <a:tint val="75000"/>
@@ -1420,9 +1428,9 @@
                 </a:solidFill>
               </a:defRPr>
             </a:lvl4pPr>
-            <a:lvl5pPr marL="1828800" indent="0">
+            <a:lvl5pPr marL="2400149" indent="0">
               <a:buNone/>
-              <a:defRPr sz="1400">
+              <a:defRPr sz="1837">
                 <a:solidFill>
                   <a:schemeClr val="tx1">
                     <a:tint val="75000"/>
@@ -1430,9 +1438,9 @@
                 </a:solidFill>
               </a:defRPr>
             </a:lvl5pPr>
-            <a:lvl6pPr marL="2286000" indent="0">
+            <a:lvl6pPr marL="3000187" indent="0">
               <a:buNone/>
-              <a:defRPr sz="1400">
+              <a:defRPr sz="1837">
                 <a:solidFill>
                   <a:schemeClr val="tx1">
                     <a:tint val="75000"/>
@@ -1440,9 +1448,9 @@
                 </a:solidFill>
               </a:defRPr>
             </a:lvl6pPr>
-            <a:lvl7pPr marL="2743200" indent="0">
+            <a:lvl7pPr marL="3600224" indent="0">
               <a:buNone/>
-              <a:defRPr sz="1400">
+              <a:defRPr sz="1837">
                 <a:solidFill>
                   <a:schemeClr val="tx1">
                     <a:tint val="75000"/>
@@ -1450,9 +1458,9 @@
                 </a:solidFill>
               </a:defRPr>
             </a:lvl7pPr>
-            <a:lvl8pPr marL="3200400" indent="0">
+            <a:lvl8pPr marL="4200262" indent="0">
               <a:buNone/>
-              <a:defRPr sz="1400">
+              <a:defRPr sz="1837">
                 <a:solidFill>
                   <a:schemeClr val="tx1">
                     <a:tint val="75000"/>
@@ -1460,9 +1468,9 @@
                 </a:solidFill>
               </a:defRPr>
             </a:lvl8pPr>
-            <a:lvl9pPr marL="3657600" indent="0">
+            <a:lvl9pPr marL="4800299" indent="0">
               <a:buNone/>
-              <a:defRPr sz="1400">
+              <a:defRPr sz="1837">
                 <a:solidFill>
                   <a:schemeClr val="tx1">
                     <a:tint val="75000"/>
@@ -1609,39 +1617,39 @@
         </p:nvSpPr>
         <p:spPr>
           <a:xfrm>
-            <a:off x="457200" y="1600200"/>
-            <a:ext cx="4038600" cy="4525963"/>
+            <a:off x="900033" y="2099901"/>
+            <a:ext cx="7950293" cy="5939279"/>
           </a:xfrm>
         </p:spPr>
         <p:txBody>
           <a:bodyPr/>
           <a:lstStyle>
             <a:lvl1pPr>
-              <a:defRPr sz="2800"/>
+              <a:defRPr sz="3674"/>
             </a:lvl1pPr>
             <a:lvl2pPr>
-              <a:defRPr sz="2400"/>
+              <a:defRPr sz="3150"/>
             </a:lvl2pPr>
             <a:lvl3pPr>
-              <a:defRPr sz="2000"/>
+              <a:defRPr sz="2625"/>
             </a:lvl3pPr>
             <a:lvl4pPr>
-              <a:defRPr sz="1800"/>
+              <a:defRPr sz="2362"/>
             </a:lvl4pPr>
             <a:lvl5pPr>
-              <a:defRPr sz="1800"/>
+              <a:defRPr sz="2362"/>
             </a:lvl5pPr>
             <a:lvl6pPr>
-              <a:defRPr sz="1800"/>
+              <a:defRPr sz="2362"/>
             </a:lvl6pPr>
             <a:lvl7pPr>
-              <a:defRPr sz="1800"/>
+              <a:defRPr sz="2362"/>
             </a:lvl7pPr>
             <a:lvl8pPr>
-              <a:defRPr sz="1800"/>
+              <a:defRPr sz="2362"/>
             </a:lvl8pPr>
             <a:lvl9pPr>
-              <a:defRPr sz="1800"/>
+              <a:defRPr sz="2362"/>
             </a:lvl9pPr>
           </a:lstStyle>
           <a:p>
@@ -1693,39 +1701,39 @@
         </p:nvSpPr>
         <p:spPr>
           <a:xfrm>
-            <a:off x="4648200" y="1600200"/>
-            <a:ext cx="4038600" cy="4525963"/>
+            <a:off x="9150337" y="2099901"/>
+            <a:ext cx="7950293" cy="5939279"/>
           </a:xfrm>
         </p:spPr>
         <p:txBody>
           <a:bodyPr/>
           <a:lstStyle>
             <a:lvl1pPr>
-              <a:defRPr sz="2800"/>
+              <a:defRPr sz="3674"/>
             </a:lvl1pPr>
             <a:lvl2pPr>
-              <a:defRPr sz="2400"/>
+              <a:defRPr sz="3150"/>
             </a:lvl2pPr>
             <a:lvl3pPr>
-              <a:defRPr sz="2000"/>
+              <a:defRPr sz="2625"/>
             </a:lvl3pPr>
             <a:lvl4pPr>
-              <a:defRPr sz="1800"/>
+              <a:defRPr sz="2362"/>
             </a:lvl4pPr>
             <a:lvl5pPr>
-              <a:defRPr sz="1800"/>
+              <a:defRPr sz="2362"/>
             </a:lvl5pPr>
             <a:lvl6pPr>
-              <a:defRPr sz="1800"/>
+              <a:defRPr sz="2362"/>
             </a:lvl6pPr>
             <a:lvl7pPr>
-              <a:defRPr sz="1800"/>
+              <a:defRPr sz="2362"/>
             </a:lvl7pPr>
             <a:lvl8pPr>
-              <a:defRPr sz="1800"/>
+              <a:defRPr sz="2362"/>
             </a:lvl8pPr>
             <a:lvl9pPr>
-              <a:defRPr sz="1800"/>
+              <a:defRPr sz="2362"/>
             </a:lvl9pPr>
           </a:lstStyle>
           <a:p>
@@ -1898,8 +1906,8 @@
         </p:nvSpPr>
         <p:spPr>
           <a:xfrm>
-            <a:off x="457200" y="1535113"/>
-            <a:ext cx="4040188" cy="639762"/>
+            <a:off x="900033" y="2014480"/>
+            <a:ext cx="7953419" cy="839540"/>
           </a:xfrm>
         </p:spPr>
         <p:txBody>
@@ -1907,39 +1915,39 @@
           <a:lstStyle>
             <a:lvl1pPr marL="0" indent="0">
               <a:buNone/>
-              <a:defRPr sz="2400" b="1"/>
+              <a:defRPr sz="3150" b="1"/>
             </a:lvl1pPr>
-            <a:lvl2pPr marL="457200" indent="0">
+            <a:lvl2pPr marL="600037" indent="0">
               <a:buNone/>
-              <a:defRPr sz="2000" b="1"/>
+              <a:defRPr sz="2625" b="1"/>
             </a:lvl2pPr>
-            <a:lvl3pPr marL="914400" indent="0">
+            <a:lvl3pPr marL="1200075" indent="0">
               <a:buNone/>
-              <a:defRPr sz="1800" b="1"/>
+              <a:defRPr sz="2362" b="1"/>
             </a:lvl3pPr>
-            <a:lvl4pPr marL="1371600" indent="0">
+            <a:lvl4pPr marL="1800113" indent="0">
               <a:buNone/>
-              <a:defRPr sz="1600" b="1"/>
+              <a:defRPr sz="2100" b="1"/>
             </a:lvl4pPr>
-            <a:lvl5pPr marL="1828800" indent="0">
+            <a:lvl5pPr marL="2400149" indent="0">
               <a:buNone/>
-              <a:defRPr sz="1600" b="1"/>
+              <a:defRPr sz="2100" b="1"/>
             </a:lvl5pPr>
-            <a:lvl6pPr marL="2286000" indent="0">
+            <a:lvl6pPr marL="3000187" indent="0">
               <a:buNone/>
-              <a:defRPr sz="1600" b="1"/>
+              <a:defRPr sz="2100" b="1"/>
             </a:lvl6pPr>
-            <a:lvl7pPr marL="2743200" indent="0">
+            <a:lvl7pPr marL="3600224" indent="0">
               <a:buNone/>
-              <a:defRPr sz="1600" b="1"/>
+              <a:defRPr sz="2100" b="1"/>
             </a:lvl7pPr>
-            <a:lvl8pPr marL="3200400" indent="0">
+            <a:lvl8pPr marL="4200262" indent="0">
               <a:buNone/>
-              <a:defRPr sz="1600" b="1"/>
+              <a:defRPr sz="2100" b="1"/>
             </a:lvl8pPr>
-            <a:lvl9pPr marL="3657600" indent="0">
+            <a:lvl9pPr marL="4800299" indent="0">
               <a:buNone/>
-              <a:defRPr sz="1600" b="1"/>
+              <a:defRPr sz="2100" b="1"/>
             </a:lvl9pPr>
           </a:lstStyle>
           <a:p>
@@ -1963,39 +1971,39 @@
         </p:nvSpPr>
         <p:spPr>
           <a:xfrm>
-            <a:off x="457200" y="2174875"/>
-            <a:ext cx="4040188" cy="3951288"/>
+            <a:off x="900033" y="2854020"/>
+            <a:ext cx="7953419" cy="5185151"/>
           </a:xfrm>
         </p:spPr>
         <p:txBody>
           <a:bodyPr/>
           <a:lstStyle>
             <a:lvl1pPr>
-              <a:defRPr sz="2400"/>
+              <a:defRPr sz="3150"/>
             </a:lvl1pPr>
             <a:lvl2pPr>
-              <a:defRPr sz="2000"/>
+              <a:defRPr sz="2625"/>
             </a:lvl2pPr>
             <a:lvl3pPr>
-              <a:defRPr sz="1800"/>
+              <a:defRPr sz="2362"/>
             </a:lvl3pPr>
             <a:lvl4pPr>
-              <a:defRPr sz="1600"/>
+              <a:defRPr sz="2100"/>
             </a:lvl4pPr>
             <a:lvl5pPr>
-              <a:defRPr sz="1600"/>
+              <a:defRPr sz="2100"/>
             </a:lvl5pPr>
             <a:lvl6pPr>
-              <a:defRPr sz="1600"/>
+              <a:defRPr sz="2100"/>
             </a:lvl6pPr>
             <a:lvl7pPr>
-              <a:defRPr sz="1600"/>
+              <a:defRPr sz="2100"/>
             </a:lvl7pPr>
             <a:lvl8pPr>
-              <a:defRPr sz="1600"/>
+              <a:defRPr sz="2100"/>
             </a:lvl8pPr>
             <a:lvl9pPr>
-              <a:defRPr sz="1600"/>
+              <a:defRPr sz="2100"/>
             </a:lvl9pPr>
           </a:lstStyle>
           <a:p>
@@ -2047,8 +2055,8 @@
         </p:nvSpPr>
         <p:spPr>
           <a:xfrm>
-            <a:off x="4645025" y="1535113"/>
-            <a:ext cx="4041775" cy="639762"/>
+            <a:off x="9144096" y="2014480"/>
+            <a:ext cx="7956543" cy="839540"/>
           </a:xfrm>
         </p:spPr>
         <p:txBody>
@@ -2056,39 +2064,39 @@
           <a:lstStyle>
             <a:lvl1pPr marL="0" indent="0">
               <a:buNone/>
-              <a:defRPr sz="2400" b="1"/>
+              <a:defRPr sz="3150" b="1"/>
             </a:lvl1pPr>
-            <a:lvl2pPr marL="457200" indent="0">
+            <a:lvl2pPr marL="600037" indent="0">
               <a:buNone/>
-              <a:defRPr sz="2000" b="1"/>
+              <a:defRPr sz="2625" b="1"/>
             </a:lvl2pPr>
-            <a:lvl3pPr marL="914400" indent="0">
+            <a:lvl3pPr marL="1200075" indent="0">
               <a:buNone/>
-              <a:defRPr sz="1800" b="1"/>
+              <a:defRPr sz="2362" b="1"/>
             </a:lvl3pPr>
-            <a:lvl4pPr marL="1371600" indent="0">
+            <a:lvl4pPr marL="1800113" indent="0">
               <a:buNone/>
-              <a:defRPr sz="1600" b="1"/>
+              <a:defRPr sz="2100" b="1"/>
             </a:lvl4pPr>
-            <a:lvl5pPr marL="1828800" indent="0">
+            <a:lvl5pPr marL="2400149" indent="0">
               <a:buNone/>
-              <a:defRPr sz="1600" b="1"/>
+              <a:defRPr sz="2100" b="1"/>
             </a:lvl5pPr>
-            <a:lvl6pPr marL="2286000" indent="0">
+            <a:lvl6pPr marL="3000187" indent="0">
               <a:buNone/>
-              <a:defRPr sz="1600" b="1"/>
+              <a:defRPr sz="2100" b="1"/>
             </a:lvl6pPr>
-            <a:lvl7pPr marL="2743200" indent="0">
+            <a:lvl7pPr marL="3600224" indent="0">
               <a:buNone/>
-              <a:defRPr sz="1600" b="1"/>
+              <a:defRPr sz="2100" b="1"/>
             </a:lvl7pPr>
-            <a:lvl8pPr marL="3200400" indent="0">
+            <a:lvl8pPr marL="4200262" indent="0">
               <a:buNone/>
-              <a:defRPr sz="1600" b="1"/>
+              <a:defRPr sz="2100" b="1"/>
             </a:lvl8pPr>
-            <a:lvl9pPr marL="3657600" indent="0">
+            <a:lvl9pPr marL="4800299" indent="0">
               <a:buNone/>
-              <a:defRPr sz="1600" b="1"/>
+              <a:defRPr sz="2100" b="1"/>
             </a:lvl9pPr>
           </a:lstStyle>
           <a:p>
@@ -2112,39 +2120,39 @@
         </p:nvSpPr>
         <p:spPr>
           <a:xfrm>
-            <a:off x="4645025" y="2174875"/>
-            <a:ext cx="4041775" cy="3951288"/>
+            <a:off x="9144096" y="2854020"/>
+            <a:ext cx="7956543" cy="5185151"/>
           </a:xfrm>
         </p:spPr>
         <p:txBody>
           <a:bodyPr/>
           <a:lstStyle>
             <a:lvl1pPr>
-              <a:defRPr sz="2400"/>
+              <a:defRPr sz="3150"/>
             </a:lvl1pPr>
             <a:lvl2pPr>
-              <a:defRPr sz="2000"/>
+              <a:defRPr sz="2625"/>
             </a:lvl2pPr>
             <a:lvl3pPr>
-              <a:defRPr sz="1800"/>
+              <a:defRPr sz="2362"/>
             </a:lvl3pPr>
             <a:lvl4pPr>
-              <a:defRPr sz="1600"/>
+              <a:defRPr sz="2100"/>
             </a:lvl4pPr>
             <a:lvl5pPr>
-              <a:defRPr sz="1600"/>
+              <a:defRPr sz="2100"/>
             </a:lvl5pPr>
             <a:lvl6pPr>
-              <a:defRPr sz="1600"/>
+              <a:defRPr sz="2100"/>
             </a:lvl6pPr>
             <a:lvl7pPr>
-              <a:defRPr sz="1600"/>
+              <a:defRPr sz="2100"/>
             </a:lvl7pPr>
             <a:lvl8pPr>
-              <a:defRPr sz="1600"/>
+              <a:defRPr sz="2100"/>
             </a:lvl8pPr>
             <a:lvl9pPr>
-              <a:defRPr sz="1600"/>
+              <a:defRPr sz="2100"/>
             </a:lvl9pPr>
           </a:lstStyle>
           <a:p>
@@ -2503,15 +2511,15 @@
         </p:nvSpPr>
         <p:spPr>
           <a:xfrm>
-            <a:off x="457200" y="273050"/>
-            <a:ext cx="3008313" cy="1162050"/>
+            <a:off x="900044" y="358315"/>
+            <a:ext cx="5922094" cy="1524922"/>
           </a:xfrm>
         </p:spPr>
         <p:txBody>
           <a:bodyPr anchor="b"/>
           <a:lstStyle>
             <a:lvl1pPr algn="l">
-              <a:defRPr sz="2000" b="1"/>
+              <a:defRPr sz="2625" b="1"/>
             </a:lvl1pPr>
           </a:lstStyle>
           <a:p>
@@ -2534,39 +2542,39 @@
         </p:nvSpPr>
         <p:spPr>
           <a:xfrm>
-            <a:off x="3575050" y="273050"/>
-            <a:ext cx="5111750" cy="5853113"/>
+            <a:off x="7037759" y="358329"/>
+            <a:ext cx="10062871" cy="7680856"/>
           </a:xfrm>
         </p:spPr>
         <p:txBody>
           <a:bodyPr/>
           <a:lstStyle>
             <a:lvl1pPr>
-              <a:defRPr sz="3200"/>
+              <a:defRPr sz="4199"/>
             </a:lvl1pPr>
             <a:lvl2pPr>
-              <a:defRPr sz="2800"/>
+              <a:defRPr sz="3674"/>
             </a:lvl2pPr>
             <a:lvl3pPr>
-              <a:defRPr sz="2400"/>
+              <a:defRPr sz="3150"/>
             </a:lvl3pPr>
             <a:lvl4pPr>
-              <a:defRPr sz="2000"/>
+              <a:defRPr sz="2625"/>
             </a:lvl4pPr>
             <a:lvl5pPr>
-              <a:defRPr sz="2000"/>
+              <a:defRPr sz="2625"/>
             </a:lvl5pPr>
             <a:lvl6pPr>
-              <a:defRPr sz="2000"/>
+              <a:defRPr sz="2625"/>
             </a:lvl6pPr>
             <a:lvl7pPr>
-              <a:defRPr sz="2000"/>
+              <a:defRPr sz="2625"/>
             </a:lvl7pPr>
             <a:lvl8pPr>
-              <a:defRPr sz="2000"/>
+              <a:defRPr sz="2625"/>
             </a:lvl8pPr>
             <a:lvl9pPr>
-              <a:defRPr sz="2000"/>
+              <a:defRPr sz="2625"/>
             </a:lvl9pPr>
           </a:lstStyle>
           <a:p>
@@ -2618,8 +2626,8 @@
         </p:nvSpPr>
         <p:spPr>
           <a:xfrm>
-            <a:off x="457200" y="1435100"/>
-            <a:ext cx="3008313" cy="4691063"/>
+            <a:off x="900044" y="1883241"/>
+            <a:ext cx="5922094" cy="6155935"/>
           </a:xfrm>
         </p:spPr>
         <p:txBody>
@@ -2627,39 +2635,39 @@
           <a:lstStyle>
             <a:lvl1pPr marL="0" indent="0">
               <a:buNone/>
-              <a:defRPr sz="1400"/>
+              <a:defRPr sz="1837"/>
             </a:lvl1pPr>
-            <a:lvl2pPr marL="457200" indent="0">
+            <a:lvl2pPr marL="600037" indent="0">
               <a:buNone/>
-              <a:defRPr sz="1200"/>
+              <a:defRPr sz="1575"/>
             </a:lvl2pPr>
-            <a:lvl3pPr marL="914400" indent="0">
+            <a:lvl3pPr marL="1200075" indent="0">
               <a:buNone/>
-              <a:defRPr sz="1000"/>
+              <a:defRPr sz="1312"/>
             </a:lvl3pPr>
-            <a:lvl4pPr marL="1371600" indent="0">
+            <a:lvl4pPr marL="1800113" indent="0">
               <a:buNone/>
-              <a:defRPr sz="900"/>
+              <a:defRPr sz="1181"/>
             </a:lvl4pPr>
-            <a:lvl5pPr marL="1828800" indent="0">
+            <a:lvl5pPr marL="2400149" indent="0">
               <a:buNone/>
-              <a:defRPr sz="900"/>
+              <a:defRPr sz="1181"/>
             </a:lvl5pPr>
-            <a:lvl6pPr marL="2286000" indent="0">
+            <a:lvl6pPr marL="3000187" indent="0">
               <a:buNone/>
-              <a:defRPr sz="900"/>
+              <a:defRPr sz="1181"/>
             </a:lvl6pPr>
-            <a:lvl7pPr marL="2743200" indent="0">
+            <a:lvl7pPr marL="3600224" indent="0">
               <a:buNone/>
-              <a:defRPr sz="900"/>
+              <a:defRPr sz="1181"/>
             </a:lvl7pPr>
-            <a:lvl8pPr marL="3200400" indent="0">
+            <a:lvl8pPr marL="4200262" indent="0">
               <a:buNone/>
-              <a:defRPr sz="900"/>
+              <a:defRPr sz="1181"/>
             </a:lvl8pPr>
-            <a:lvl9pPr marL="3657600" indent="0">
+            <a:lvl9pPr marL="4800299" indent="0">
               <a:buNone/>
-              <a:defRPr sz="900"/>
+              <a:defRPr sz="1181"/>
             </a:lvl9pPr>
           </a:lstStyle>
           <a:p>
@@ -2778,15 +2786,15 @@
         </p:nvSpPr>
         <p:spPr>
           <a:xfrm>
-            <a:off x="1792288" y="4800600"/>
-            <a:ext cx="5486400" cy="566738"/>
+            <a:off x="3528256" y="6299677"/>
+            <a:ext cx="10800398" cy="743712"/>
           </a:xfrm>
         </p:spPr>
         <p:txBody>
           <a:bodyPr anchor="b"/>
           <a:lstStyle>
             <a:lvl1pPr algn="l">
-              <a:defRPr sz="2000" b="1"/>
+              <a:defRPr sz="2625" b="1"/>
             </a:lvl1pPr>
           </a:lstStyle>
           <a:p>
@@ -2809,8 +2817,8 @@
         </p:nvSpPr>
         <p:spPr>
           <a:xfrm>
-            <a:off x="1792288" y="612775"/>
-            <a:ext cx="5486400" cy="4114800"/>
+            <a:off x="3528256" y="804125"/>
+            <a:ext cx="10800398" cy="5399723"/>
           </a:xfrm>
         </p:spPr>
         <p:txBody>
@@ -2818,39 +2826,39 @@
           <a:lstStyle>
             <a:lvl1pPr marL="0" indent="0">
               <a:buNone/>
-              <a:defRPr sz="3200"/>
+              <a:defRPr sz="4199"/>
             </a:lvl1pPr>
-            <a:lvl2pPr marL="457200" indent="0">
+            <a:lvl2pPr marL="600037" indent="0">
               <a:buNone/>
-              <a:defRPr sz="2800"/>
+              <a:defRPr sz="3674"/>
             </a:lvl2pPr>
-            <a:lvl3pPr marL="914400" indent="0">
+            <a:lvl3pPr marL="1200075" indent="0">
               <a:buNone/>
-              <a:defRPr sz="2400"/>
+              <a:defRPr sz="3150"/>
             </a:lvl3pPr>
-            <a:lvl4pPr marL="1371600" indent="0">
+            <a:lvl4pPr marL="1800113" indent="0">
               <a:buNone/>
-              <a:defRPr sz="2000"/>
+              <a:defRPr sz="2625"/>
             </a:lvl4pPr>
-            <a:lvl5pPr marL="1828800" indent="0">
+            <a:lvl5pPr marL="2400149" indent="0">
               <a:buNone/>
-              <a:defRPr sz="2000"/>
+              <a:defRPr sz="2625"/>
             </a:lvl5pPr>
-            <a:lvl6pPr marL="2286000" indent="0">
+            <a:lvl6pPr marL="3000187" indent="0">
               <a:buNone/>
-              <a:defRPr sz="2000"/>
+              <a:defRPr sz="2625"/>
             </a:lvl6pPr>
-            <a:lvl7pPr marL="2743200" indent="0">
+            <a:lvl7pPr marL="3600224" indent="0">
               <a:buNone/>
-              <a:defRPr sz="2000"/>
+              <a:defRPr sz="2625"/>
             </a:lvl7pPr>
-            <a:lvl8pPr marL="3200400" indent="0">
+            <a:lvl8pPr marL="4200262" indent="0">
               <a:buNone/>
-              <a:defRPr sz="2000"/>
+              <a:defRPr sz="2625"/>
             </a:lvl8pPr>
-            <a:lvl9pPr marL="3657600" indent="0">
+            <a:lvl9pPr marL="4800299" indent="0">
               <a:buNone/>
-              <a:defRPr sz="2000"/>
+              <a:defRPr sz="2625"/>
             </a:lvl9pPr>
           </a:lstStyle>
           <a:p>
@@ -2870,8 +2878,8 @@
         </p:nvSpPr>
         <p:spPr>
           <a:xfrm>
-            <a:off x="1792288" y="5367338"/>
-            <a:ext cx="5486400" cy="804862"/>
+            <a:off x="3528256" y="7043389"/>
+            <a:ext cx="10800398" cy="1056195"/>
           </a:xfrm>
         </p:spPr>
         <p:txBody>
@@ -2879,39 +2887,39 @@
           <a:lstStyle>
             <a:lvl1pPr marL="0" indent="0">
               <a:buNone/>
-              <a:defRPr sz="1400"/>
+              <a:defRPr sz="1837"/>
             </a:lvl1pPr>
-            <a:lvl2pPr marL="457200" indent="0">
+            <a:lvl2pPr marL="600037" indent="0">
               <a:buNone/>
-              <a:defRPr sz="1200"/>
+              <a:defRPr sz="1575"/>
             </a:lvl2pPr>
-            <a:lvl3pPr marL="914400" indent="0">
+            <a:lvl3pPr marL="1200075" indent="0">
               <a:buNone/>
-              <a:defRPr sz="1000"/>
+              <a:defRPr sz="1312"/>
             </a:lvl3pPr>
-            <a:lvl4pPr marL="1371600" indent="0">
+            <a:lvl4pPr marL="1800113" indent="0">
               <a:buNone/>
-              <a:defRPr sz="900"/>
+              <a:defRPr sz="1181"/>
             </a:lvl4pPr>
-            <a:lvl5pPr marL="1828800" indent="0">
+            <a:lvl5pPr marL="2400149" indent="0">
               <a:buNone/>
-              <a:defRPr sz="900"/>
+              <a:defRPr sz="1181"/>
             </a:lvl5pPr>
-            <a:lvl6pPr marL="2286000" indent="0">
+            <a:lvl6pPr marL="3000187" indent="0">
               <a:buNone/>
-              <a:defRPr sz="900"/>
+              <a:defRPr sz="1181"/>
             </a:lvl6pPr>
-            <a:lvl7pPr marL="2743200" indent="0">
+            <a:lvl7pPr marL="3600224" indent="0">
               <a:buNone/>
-              <a:defRPr sz="900"/>
+              <a:defRPr sz="1181"/>
             </a:lvl7pPr>
-            <a:lvl8pPr marL="3200400" indent="0">
+            <a:lvl8pPr marL="4200262" indent="0">
               <a:buNone/>
-              <a:defRPr sz="900"/>
+              <a:defRPr sz="1181"/>
             </a:lvl8pPr>
-            <a:lvl9pPr marL="3657600" indent="0">
+            <a:lvl9pPr marL="4800299" indent="0">
               <a:buNone/>
-              <a:defRPr sz="900"/>
+              <a:defRPr sz="1181"/>
             </a:lvl9pPr>
           </a:lstStyle>
           <a:p>
@@ -3035,8 +3043,8 @@
         </p:nvSpPr>
         <p:spPr>
           <a:xfrm>
-            <a:off x="457200" y="274638"/>
-            <a:ext cx="8229600" cy="1143000"/>
+            <a:off x="900033" y="360399"/>
+            <a:ext cx="16200597" cy="1499923"/>
           </a:xfrm>
           <a:prstGeom prst="rect">
             <a:avLst/>
@@ -3067,8 +3075,8 @@
         </p:nvSpPr>
         <p:spPr>
           <a:xfrm>
-            <a:off x="457200" y="1600200"/>
-            <a:ext cx="8229600" cy="4525963"/>
+            <a:off x="900033" y="2099901"/>
+            <a:ext cx="16200597" cy="5939279"/>
           </a:xfrm>
           <a:prstGeom prst="rect">
             <a:avLst/>
@@ -3128,8 +3136,8 @@
         </p:nvSpPr>
         <p:spPr>
           <a:xfrm>
-            <a:off x="457200" y="6356350"/>
-            <a:ext cx="2133600" cy="365125"/>
+            <a:off x="900033" y="8341254"/>
+            <a:ext cx="4200155" cy="479142"/>
           </a:xfrm>
           <a:prstGeom prst="rect">
             <a:avLst/>
@@ -3139,7 +3147,7 @@
           <a:bodyPr vert="horz" lIns="91440" tIns="45720" rIns="91440" bIns="45720" rtlCol="0" anchor="ctr"/>
           <a:lstStyle>
             <a:lvl1pPr algn="l">
-              <a:defRPr sz="1200">
+              <a:defRPr sz="1575">
                 <a:solidFill>
                   <a:schemeClr val="tx1">
                     <a:tint val="75000"/>
@@ -3169,8 +3177,8 @@
         </p:nvSpPr>
         <p:spPr>
           <a:xfrm>
-            <a:off x="3124200" y="6356350"/>
-            <a:ext cx="2895600" cy="365125"/>
+            <a:off x="6150227" y="8341254"/>
+            <a:ext cx="5700210" cy="479142"/>
           </a:xfrm>
           <a:prstGeom prst="rect">
             <a:avLst/>
@@ -3180,7 +3188,7 @@
           <a:bodyPr vert="horz" lIns="91440" tIns="45720" rIns="91440" bIns="45720" rtlCol="0" anchor="ctr"/>
           <a:lstStyle>
             <a:lvl1pPr algn="ctr">
-              <a:defRPr sz="1200">
+              <a:defRPr sz="1575">
                 <a:solidFill>
                   <a:schemeClr val="tx1">
                     <a:tint val="75000"/>
@@ -3206,8 +3214,8 @@
         </p:nvSpPr>
         <p:spPr>
           <a:xfrm>
-            <a:off x="6553200" y="6356350"/>
-            <a:ext cx="2133600" cy="365125"/>
+            <a:off x="12900475" y="8341254"/>
+            <a:ext cx="4200155" cy="479142"/>
           </a:xfrm>
           <a:prstGeom prst="rect">
             <a:avLst/>
@@ -3217,7 +3225,7 @@
           <a:bodyPr vert="horz" lIns="91440" tIns="45720" rIns="91440" bIns="45720" rtlCol="0" anchor="ctr"/>
           <a:lstStyle>
             <a:lvl1pPr algn="r">
-              <a:defRPr sz="1200">
+              <a:defRPr sz="1575">
                 <a:solidFill>
                   <a:schemeClr val="tx1">
                     <a:tint val="75000"/>
@@ -3258,12 +3266,12 @@
   </p:sldLayoutIdLst>
   <p:txStyles>
     <p:titleStyle>
-      <a:lvl1pPr algn="ctr" defTabSz="914400" rtl="0" eaLnBrk="1" latinLnBrk="0" hangingPunct="1">
+      <a:lvl1pPr algn="ctr" defTabSz="1200075" rtl="0" eaLnBrk="1" latinLnBrk="0" hangingPunct="1">
         <a:spcBef>
           <a:spcPct val="0"/>
         </a:spcBef>
         <a:buNone/>
-        <a:defRPr sz="4400" kern="1200">
+        <a:defRPr sz="5775" kern="1200">
           <a:solidFill>
             <a:schemeClr val="tx1"/>
           </a:solidFill>
@@ -3274,13 +3282,13 @@
       </a:lvl1pPr>
     </p:titleStyle>
     <p:bodyStyle>
-      <a:lvl1pPr marL="342900" indent="-342900" algn="l" defTabSz="914400" rtl="0" eaLnBrk="1" latinLnBrk="0" hangingPunct="1">
+      <a:lvl1pPr marL="450028" indent="-450028" algn="l" defTabSz="1200075" rtl="0" eaLnBrk="1" latinLnBrk="0" hangingPunct="1">
         <a:spcBef>
           <a:spcPct val="20000"/>
         </a:spcBef>
         <a:buFont typeface="Arial" panose="020B0604020202020204" pitchFamily="34" charset="0"/>
         <a:buChar char="•"/>
-        <a:defRPr sz="3200" kern="1200">
+        <a:defRPr sz="4199" kern="1200">
           <a:solidFill>
             <a:schemeClr val="tx1"/>
           </a:solidFill>
@@ -3289,13 +3297,13 @@
           <a:cs typeface="+mn-cs"/>
         </a:defRPr>
       </a:lvl1pPr>
-      <a:lvl2pPr marL="742950" indent="-285750" algn="l" defTabSz="914400" rtl="0" eaLnBrk="1" latinLnBrk="0" hangingPunct="1">
+      <a:lvl2pPr marL="975061" indent="-375026" algn="l" defTabSz="1200075" rtl="0" eaLnBrk="1" latinLnBrk="0" hangingPunct="1">
         <a:spcBef>
           <a:spcPct val="20000"/>
         </a:spcBef>
         <a:buFont typeface="Arial" panose="020B0604020202020204" pitchFamily="34" charset="0"/>
         <a:buChar char="–"/>
-        <a:defRPr sz="2800" kern="1200">
+        <a:defRPr sz="3674" kern="1200">
           <a:solidFill>
             <a:schemeClr val="tx1"/>
           </a:solidFill>
@@ -3304,13 +3312,13 @@
           <a:cs typeface="+mn-cs"/>
         </a:defRPr>
       </a:lvl2pPr>
-      <a:lvl3pPr marL="1143000" indent="-228600" algn="l" defTabSz="914400" rtl="0" eaLnBrk="1" latinLnBrk="0" hangingPunct="1">
+      <a:lvl3pPr marL="1500093" indent="-300018" algn="l" defTabSz="1200075" rtl="0" eaLnBrk="1" latinLnBrk="0" hangingPunct="1">
         <a:spcBef>
           <a:spcPct val="20000"/>
         </a:spcBef>
         <a:buFont typeface="Arial" panose="020B0604020202020204" pitchFamily="34" charset="0"/>
         <a:buChar char="•"/>
-        <a:defRPr sz="2400" kern="1200">
+        <a:defRPr sz="3150" kern="1200">
           <a:solidFill>
             <a:schemeClr val="tx1"/>
           </a:solidFill>
@@ -3319,13 +3327,13 @@
           <a:cs typeface="+mn-cs"/>
         </a:defRPr>
       </a:lvl3pPr>
-      <a:lvl4pPr marL="1600200" indent="-228600" algn="l" defTabSz="914400" rtl="0" eaLnBrk="1" latinLnBrk="0" hangingPunct="1">
+      <a:lvl4pPr marL="2100131" indent="-300018" algn="l" defTabSz="1200075" rtl="0" eaLnBrk="1" latinLnBrk="0" hangingPunct="1">
         <a:spcBef>
           <a:spcPct val="20000"/>
         </a:spcBef>
         <a:buFont typeface="Arial" panose="020B0604020202020204" pitchFamily="34" charset="0"/>
         <a:buChar char="–"/>
-        <a:defRPr sz="2000" kern="1200">
+        <a:defRPr sz="2625" kern="1200">
           <a:solidFill>
             <a:schemeClr val="tx1"/>
           </a:solidFill>
@@ -3334,13 +3342,13 @@
           <a:cs typeface="+mn-cs"/>
         </a:defRPr>
       </a:lvl4pPr>
-      <a:lvl5pPr marL="2057400" indent="-228600" algn="l" defTabSz="914400" rtl="0" eaLnBrk="1" latinLnBrk="0" hangingPunct="1">
+      <a:lvl5pPr marL="2700169" indent="-300018" algn="l" defTabSz="1200075" rtl="0" eaLnBrk="1" latinLnBrk="0" hangingPunct="1">
         <a:spcBef>
           <a:spcPct val="20000"/>
         </a:spcBef>
         <a:buFont typeface="Arial" panose="020B0604020202020204" pitchFamily="34" charset="0"/>
         <a:buChar char="»"/>
-        <a:defRPr sz="2000" kern="1200">
+        <a:defRPr sz="2625" kern="1200">
           <a:solidFill>
             <a:schemeClr val="tx1"/>
           </a:solidFill>
@@ -3349,13 +3357,13 @@
           <a:cs typeface="+mn-cs"/>
         </a:defRPr>
       </a:lvl5pPr>
-      <a:lvl6pPr marL="2514600" indent="-228600" algn="l" defTabSz="914400" rtl="0" eaLnBrk="1" latinLnBrk="0" hangingPunct="1">
+      <a:lvl6pPr marL="3300204" indent="-300018" algn="l" defTabSz="1200075" rtl="0" eaLnBrk="1" latinLnBrk="0" hangingPunct="1">
         <a:spcBef>
           <a:spcPct val="20000"/>
         </a:spcBef>
         <a:buFont typeface="Arial" panose="020B0604020202020204" pitchFamily="34" charset="0"/>
         <a:buChar char="•"/>
-        <a:defRPr sz="2000" kern="1200">
+        <a:defRPr sz="2625" kern="1200">
           <a:solidFill>
             <a:schemeClr val="tx1"/>
           </a:solidFill>
@@ -3364,13 +3372,13 @@
           <a:cs typeface="+mn-cs"/>
         </a:defRPr>
       </a:lvl6pPr>
-      <a:lvl7pPr marL="2971800" indent="-228600" algn="l" defTabSz="914400" rtl="0" eaLnBrk="1" latinLnBrk="0" hangingPunct="1">
+      <a:lvl7pPr marL="3900242" indent="-300018" algn="l" defTabSz="1200075" rtl="0" eaLnBrk="1" latinLnBrk="0" hangingPunct="1">
         <a:spcBef>
           <a:spcPct val="20000"/>
         </a:spcBef>
         <a:buFont typeface="Arial" panose="020B0604020202020204" pitchFamily="34" charset="0"/>
         <a:buChar char="•"/>
-        <a:defRPr sz="2000" kern="1200">
+        <a:defRPr sz="2625" kern="1200">
           <a:solidFill>
             <a:schemeClr val="tx1"/>
           </a:solidFill>
@@ -3379,13 +3387,13 @@
           <a:cs typeface="+mn-cs"/>
         </a:defRPr>
       </a:lvl7pPr>
-      <a:lvl8pPr marL="3429000" indent="-228600" algn="l" defTabSz="914400" rtl="0" eaLnBrk="1" latinLnBrk="0" hangingPunct="1">
+      <a:lvl8pPr marL="4500280" indent="-300018" algn="l" defTabSz="1200075" rtl="0" eaLnBrk="1" latinLnBrk="0" hangingPunct="1">
         <a:spcBef>
           <a:spcPct val="20000"/>
         </a:spcBef>
         <a:buFont typeface="Arial" panose="020B0604020202020204" pitchFamily="34" charset="0"/>
         <a:buChar char="•"/>
-        <a:defRPr sz="2000" kern="1200">
+        <a:defRPr sz="2625" kern="1200">
           <a:solidFill>
             <a:schemeClr val="tx1"/>
           </a:solidFill>
@@ -3394,13 +3402,13 @@
           <a:cs typeface="+mn-cs"/>
         </a:defRPr>
       </a:lvl8pPr>
-      <a:lvl9pPr marL="3886200" indent="-228600" algn="l" defTabSz="914400" rtl="0" eaLnBrk="1" latinLnBrk="0" hangingPunct="1">
+      <a:lvl9pPr marL="5100318" indent="-300018" algn="l" defTabSz="1200075" rtl="0" eaLnBrk="1" latinLnBrk="0" hangingPunct="1">
         <a:spcBef>
           <a:spcPct val="20000"/>
         </a:spcBef>
         <a:buFont typeface="Arial" panose="020B0604020202020204" pitchFamily="34" charset="0"/>
         <a:buChar char="•"/>
-        <a:defRPr sz="2000" kern="1200">
+        <a:defRPr sz="2625" kern="1200">
           <a:solidFill>
             <a:schemeClr val="tx1"/>
           </a:solidFill>
@@ -3414,8 +3422,8 @@
       <a:defPPr>
         <a:defRPr lang="en-US"/>
       </a:defPPr>
-      <a:lvl1pPr marL="0" algn="l" defTabSz="914400" rtl="0" eaLnBrk="1" latinLnBrk="0" hangingPunct="1">
-        <a:defRPr sz="1800" kern="1200">
+      <a:lvl1pPr marL="0" algn="l" defTabSz="1200075" rtl="0" eaLnBrk="1" latinLnBrk="0" hangingPunct="1">
+        <a:defRPr sz="2362" kern="1200">
           <a:solidFill>
             <a:schemeClr val="tx1"/>
           </a:solidFill>
@@ -3424,8 +3432,8 @@
           <a:cs typeface="+mn-cs"/>
         </a:defRPr>
       </a:lvl1pPr>
-      <a:lvl2pPr marL="457200" algn="l" defTabSz="914400" rtl="0" eaLnBrk="1" latinLnBrk="0" hangingPunct="1">
-        <a:defRPr sz="1800" kern="1200">
+      <a:lvl2pPr marL="600037" algn="l" defTabSz="1200075" rtl="0" eaLnBrk="1" latinLnBrk="0" hangingPunct="1">
+        <a:defRPr sz="2362" kern="1200">
           <a:solidFill>
             <a:schemeClr val="tx1"/>
           </a:solidFill>
@@ -3434,8 +3442,8 @@
           <a:cs typeface="+mn-cs"/>
         </a:defRPr>
       </a:lvl2pPr>
-      <a:lvl3pPr marL="914400" algn="l" defTabSz="914400" rtl="0" eaLnBrk="1" latinLnBrk="0" hangingPunct="1">
-        <a:defRPr sz="1800" kern="1200">
+      <a:lvl3pPr marL="1200075" algn="l" defTabSz="1200075" rtl="0" eaLnBrk="1" latinLnBrk="0" hangingPunct="1">
+        <a:defRPr sz="2362" kern="1200">
           <a:solidFill>
             <a:schemeClr val="tx1"/>
           </a:solidFill>
@@ -3444,8 +3452,8 @@
           <a:cs typeface="+mn-cs"/>
         </a:defRPr>
       </a:lvl3pPr>
-      <a:lvl4pPr marL="1371600" algn="l" defTabSz="914400" rtl="0" eaLnBrk="1" latinLnBrk="0" hangingPunct="1">
-        <a:defRPr sz="1800" kern="1200">
+      <a:lvl4pPr marL="1800113" algn="l" defTabSz="1200075" rtl="0" eaLnBrk="1" latinLnBrk="0" hangingPunct="1">
+        <a:defRPr sz="2362" kern="1200">
           <a:solidFill>
             <a:schemeClr val="tx1"/>
           </a:solidFill>
@@ -3454,8 +3462,8 @@
           <a:cs typeface="+mn-cs"/>
         </a:defRPr>
       </a:lvl4pPr>
-      <a:lvl5pPr marL="1828800" algn="l" defTabSz="914400" rtl="0" eaLnBrk="1" latinLnBrk="0" hangingPunct="1">
-        <a:defRPr sz="1800" kern="1200">
+      <a:lvl5pPr marL="2400149" algn="l" defTabSz="1200075" rtl="0" eaLnBrk="1" latinLnBrk="0" hangingPunct="1">
+        <a:defRPr sz="2362" kern="1200">
           <a:solidFill>
             <a:schemeClr val="tx1"/>
           </a:solidFill>
@@ -3464,8 +3472,8 @@
           <a:cs typeface="+mn-cs"/>
         </a:defRPr>
       </a:lvl5pPr>
-      <a:lvl6pPr marL="2286000" algn="l" defTabSz="914400" rtl="0" eaLnBrk="1" latinLnBrk="0" hangingPunct="1">
-        <a:defRPr sz="1800" kern="1200">
+      <a:lvl6pPr marL="3000187" algn="l" defTabSz="1200075" rtl="0" eaLnBrk="1" latinLnBrk="0" hangingPunct="1">
+        <a:defRPr sz="2362" kern="1200">
           <a:solidFill>
             <a:schemeClr val="tx1"/>
           </a:solidFill>
@@ -3474,8 +3482,8 @@
           <a:cs typeface="+mn-cs"/>
         </a:defRPr>
       </a:lvl6pPr>
-      <a:lvl7pPr marL="2743200" algn="l" defTabSz="914400" rtl="0" eaLnBrk="1" latinLnBrk="0" hangingPunct="1">
-        <a:defRPr sz="1800" kern="1200">
+      <a:lvl7pPr marL="3600224" algn="l" defTabSz="1200075" rtl="0" eaLnBrk="1" latinLnBrk="0" hangingPunct="1">
+        <a:defRPr sz="2362" kern="1200">
           <a:solidFill>
             <a:schemeClr val="tx1"/>
           </a:solidFill>
@@ -3484,8 +3492,8 @@
           <a:cs typeface="+mn-cs"/>
         </a:defRPr>
       </a:lvl7pPr>
-      <a:lvl8pPr marL="3200400" algn="l" defTabSz="914400" rtl="0" eaLnBrk="1" latinLnBrk="0" hangingPunct="1">
-        <a:defRPr sz="1800" kern="1200">
+      <a:lvl8pPr marL="4200262" algn="l" defTabSz="1200075" rtl="0" eaLnBrk="1" latinLnBrk="0" hangingPunct="1">
+        <a:defRPr sz="2362" kern="1200">
           <a:solidFill>
             <a:schemeClr val="tx1"/>
           </a:solidFill>
@@ -3494,8 +3502,8 @@
           <a:cs typeface="+mn-cs"/>
         </a:defRPr>
       </a:lvl8pPr>
-      <a:lvl9pPr marL="3657600" algn="l" defTabSz="914400" rtl="0" eaLnBrk="1" latinLnBrk="0" hangingPunct="1">
-        <a:defRPr sz="1800" kern="1200">
+      <a:lvl9pPr marL="4800299" algn="l" defTabSz="1200075" rtl="0" eaLnBrk="1" latinLnBrk="0" hangingPunct="1">
+        <a:defRPr sz="2362" kern="1200">
           <a:solidFill>
             <a:schemeClr val="tx1"/>
           </a:solidFill>
@@ -3528,25 +3536,34 @@
       </p:grpSpPr>
       <p:sp>
         <p:nvSpPr>
-          <p:cNvPr id="2" name="Rectangle 62"/>
+          <p:cNvPr id="32" name="Rectangle 65">
+            <a:extLst>
+              <a:ext uri="{FF2B5EF4-FFF2-40B4-BE49-F238E27FC236}">
+                <a16:creationId xmlns:a16="http://schemas.microsoft.com/office/drawing/2014/main" id="{A0A27354-6DDE-4B22-8209-DDE049FDFEB0}"/>
+              </a:ext>
+            </a:extLst>
+          </p:cNvPr>
           <p:cNvSpPr/>
           <p:nvPr/>
         </p:nvSpPr>
         <p:spPr>
           <a:xfrm>
-            <a:off x="1905000" y="2209800"/>
-            <a:ext cx="1093635" cy="346760"/>
-          </a:xfrm>
-          <a:prstGeom prst="rect">
-            <a:avLst/>
+            <a:off x="3513931" y="1299938"/>
+            <a:ext cx="12073589" cy="6399662"/>
+          </a:xfrm>
+          <a:prstGeom prst="roundRect">
+            <a:avLst>
+              <a:gd name="adj" fmla="val 3484"/>
+            </a:avLst>
           </a:prstGeom>
           <a:solidFill>
-            <a:srgbClr val="00B050"/>
+            <a:schemeClr val="accent1">
+              <a:lumMod val="20000"/>
+              <a:lumOff val="80000"/>
+            </a:schemeClr>
           </a:solidFill>
           <a:ln w="19050">
-            <a:solidFill>
-              <a:srgbClr val="00B050"/>
-            </a:solidFill>
+            <a:noFill/>
           </a:ln>
           <a:effectLst/>
         </p:spPr>
@@ -3565,19 +3582,77 @@
           </a:fontRef>
         </p:style>
         <p:txBody>
+          <a:bodyPr rtlCol="0" anchor="t"/>
+          <a:lstStyle/>
+          <a:p>
+            <a:r>
+              <a:rPr lang="en-US" sz="1575" b="1" dirty="0">
+                <a:solidFill>
+                  <a:srgbClr val="0070C0"/>
+                </a:solidFill>
+              </a:rPr>
+              <a:t>Logic</a:t>
+            </a:r>
+            <a:endParaRPr lang="en-SG" sz="1575" b="1" dirty="0">
+              <a:solidFill>
+                <a:srgbClr val="0070C0"/>
+              </a:solidFill>
+            </a:endParaRPr>
+          </a:p>
+        </p:txBody>
+      </p:sp>
+      <p:sp>
+        <p:nvSpPr>
+          <p:cNvPr id="2" name="Rectangle 62"/>
+          <p:cNvSpPr/>
+          <p:nvPr/>
+        </p:nvSpPr>
+        <p:spPr>
+          <a:xfrm>
+            <a:off x="1944588" y="1699905"/>
+            <a:ext cx="1435143" cy="455042"/>
+          </a:xfrm>
+          <a:prstGeom prst="rect">
+            <a:avLst/>
+          </a:prstGeom>
+          <a:solidFill>
+            <a:srgbClr val="00B050"/>
+          </a:solidFill>
+          <a:ln w="19050">
+            <a:solidFill>
+              <a:srgbClr val="00B050"/>
+            </a:solidFill>
+          </a:ln>
+          <a:effectLst/>
+        </p:spPr>
+        <p:style>
+          <a:lnRef idx="1">
+            <a:schemeClr val="accent2"/>
+          </a:lnRef>
+          <a:fillRef idx="2">
+            <a:schemeClr val="accent2"/>
+          </a:fillRef>
+          <a:effectRef idx="1">
+            <a:schemeClr val="accent2"/>
+          </a:effectRef>
+          <a:fontRef idx="minor">
+            <a:schemeClr val="dk1"/>
+          </a:fontRef>
+        </p:style>
+        <p:txBody>
           <a:bodyPr rtlCol="0" anchor="ctr"/>
           <a:lstStyle/>
           <a:p>
             <a:pPr algn="ctr"/>
             <a:r>
-              <a:rPr lang="en-US" sz="1600" dirty="0">
+              <a:rPr lang="en-US" sz="2100" dirty="0">
                 <a:solidFill>
                   <a:schemeClr val="bg1"/>
                 </a:solidFill>
               </a:rPr>
               <a:t>:UI</a:t>
             </a:r>
-            <a:endParaRPr lang="en-SG" sz="1600" dirty="0">
+            <a:endParaRPr lang="en-SG" sz="2100" dirty="0">
               <a:solidFill>
                 <a:schemeClr val="bg1"/>
               </a:solidFill>
@@ -3595,8 +3670,8 @@
         </p:nvCxnSpPr>
         <p:spPr>
           <a:xfrm>
-            <a:off x="2422261" y="2573471"/>
-            <a:ext cx="0" cy="2236189"/>
+            <a:off x="2623368" y="2177149"/>
+            <a:ext cx="0" cy="5522458"/>
           </a:xfrm>
           <a:prstGeom prst="line">
             <a:avLst/>
@@ -3632,8 +3707,8 @@
         </p:nvSpPr>
         <p:spPr>
           <a:xfrm>
-            <a:off x="2350253" y="2924166"/>
-            <a:ext cx="152400" cy="1733094"/>
+            <a:off x="2528875" y="2637352"/>
+            <a:ext cx="199990" cy="4862258"/>
           </a:xfrm>
           <a:prstGeom prst="rect">
             <a:avLst/>
@@ -3667,11 +3742,7 @@
           <a:lstStyle/>
           <a:p>
             <a:pPr algn="ctr"/>
-            <a:endParaRPr lang="en-SG" sz="1400">
-              <a:solidFill>
-                <a:schemeClr val="dk1"/>
-              </a:solidFill>
-            </a:endParaRPr>
+            <a:endParaRPr lang="en-SG" sz="1837"/>
           </a:p>
         </p:txBody>
       </p:sp>
@@ -3683,8 +3754,8 @@
         </p:nvGrpSpPr>
         <p:grpSpPr>
           <a:xfrm>
-            <a:off x="910815" y="2146326"/>
-            <a:ext cx="324036" cy="573410"/>
+            <a:off x="643046" y="1571504"/>
+            <a:ext cx="425222" cy="752468"/>
             <a:chOff x="3239901" y="4149080"/>
             <a:chExt cx="648072" cy="1146820"/>
           </a:xfrm>
@@ -3734,7 +3805,7 @@
             <a:lstStyle/>
             <a:p>
               <a:pPr algn="ctr"/>
-              <a:endParaRPr lang="en-SG"/>
+              <a:endParaRPr lang="en-SG" sz="3307"/>
             </a:p>
           </p:txBody>
         </p:sp>
@@ -3851,7 +3922,7 @@
             <a:lstStyle/>
             <a:p>
               <a:pPr algn="ctr"/>
-              <a:endParaRPr lang="en-SG"/>
+              <a:endParaRPr lang="en-SG" sz="3307"/>
             </a:p>
           </p:txBody>
         </p:sp>
@@ -3900,8 +3971,8 @@
         </p:nvSpPr>
         <p:spPr>
           <a:xfrm>
-            <a:off x="3560206" y="2217153"/>
-            <a:ext cx="1093635" cy="346760"/>
+            <a:off x="3844495" y="1709554"/>
+            <a:ext cx="1924435" cy="455042"/>
           </a:xfrm>
           <a:prstGeom prst="rect">
             <a:avLst/>
@@ -3936,14 +4007,14 @@
           <a:p>
             <a:pPr algn="ctr"/>
             <a:r>
-              <a:rPr lang="en-US" sz="1600" dirty="0">
+              <a:rPr lang="en-US" sz="2100" dirty="0">
                 <a:solidFill>
                   <a:schemeClr val="bg1"/>
                 </a:solidFill>
               </a:rPr>
-              <a:t>:Logic</a:t>
-            </a:r>
-            <a:endParaRPr lang="en-SG" sz="1600" dirty="0">
+              <a:t>:LogicManager</a:t>
+            </a:r>
+            <a:endParaRPr lang="en-SG" sz="2100" dirty="0">
               <a:solidFill>
                 <a:schemeClr val="bg1"/>
               </a:solidFill>
@@ -3961,8 +4032,8 @@
         </p:nvCxnSpPr>
         <p:spPr>
           <a:xfrm>
-            <a:off x="4107023" y="2580824"/>
-            <a:ext cx="0" cy="2232502"/>
+            <a:off x="4810620" y="2186790"/>
+            <a:ext cx="0" cy="5512803"/>
           </a:xfrm>
           <a:prstGeom prst="line">
             <a:avLst/>
@@ -3998,8 +4069,8 @@
         </p:nvSpPr>
         <p:spPr>
           <a:xfrm>
-            <a:off x="4035015" y="3039017"/>
-            <a:ext cx="152376" cy="1477495"/>
+            <a:off x="4716126" y="2788072"/>
+            <a:ext cx="199958" cy="4511525"/>
           </a:xfrm>
           <a:prstGeom prst="rect">
             <a:avLst/>
@@ -4033,11 +4104,7 @@
           <a:lstStyle/>
           <a:p>
             <a:pPr algn="ctr"/>
-            <a:endParaRPr lang="en-SG" sz="1400">
-              <a:solidFill>
-                <a:schemeClr val="dk1"/>
-              </a:solidFill>
-            </a:endParaRPr>
+            <a:endParaRPr lang="en-SG" sz="1837"/>
           </a:p>
         </p:txBody>
       </p:sp>
@@ -4049,8 +4116,8 @@
         </p:nvSpPr>
         <p:spPr>
           <a:xfrm>
-            <a:off x="5215412" y="2213466"/>
-            <a:ext cx="1093635" cy="346760"/>
+            <a:off x="16053910" y="1704722"/>
+            <a:ext cx="1435143" cy="455042"/>
           </a:xfrm>
           <a:prstGeom prst="rect">
             <a:avLst/>
@@ -4085,14 +4152,14 @@
           <a:p>
             <a:pPr algn="ctr"/>
             <a:r>
-              <a:rPr lang="en-US" sz="1600" dirty="0">
+              <a:rPr lang="en-US" sz="2100" dirty="0">
                 <a:solidFill>
                   <a:schemeClr val="bg1"/>
                 </a:solidFill>
               </a:rPr>
               <a:t>:Model</a:t>
             </a:r>
-            <a:endParaRPr lang="en-SG" sz="1600" dirty="0">
+            <a:endParaRPr lang="en-SG" sz="2100" dirty="0">
               <a:solidFill>
                 <a:schemeClr val="bg1"/>
               </a:solidFill>
@@ -4110,8 +4177,8 @@
         </p:nvCxnSpPr>
         <p:spPr>
           <a:xfrm>
-            <a:off x="5762229" y="2577137"/>
-            <a:ext cx="0" cy="2236189"/>
+            <a:off x="16771481" y="2181958"/>
+            <a:ext cx="0" cy="5517642"/>
           </a:xfrm>
           <a:prstGeom prst="line">
             <a:avLst/>
@@ -4147,8 +4214,8 @@
         </p:nvSpPr>
         <p:spPr>
           <a:xfrm>
-            <a:off x="5689069" y="3231571"/>
-            <a:ext cx="101457" cy="369806"/>
+            <a:off x="16665985" y="4199783"/>
+            <a:ext cx="215700" cy="485285"/>
           </a:xfrm>
           <a:prstGeom prst="rect">
             <a:avLst/>
@@ -4182,11 +4249,7 @@
           <a:lstStyle/>
           <a:p>
             <a:pPr algn="ctr"/>
-            <a:endParaRPr lang="en-SG" sz="1400">
-              <a:solidFill>
-                <a:schemeClr val="dk1"/>
-              </a:solidFill>
-            </a:endParaRPr>
+            <a:endParaRPr lang="en-SG" sz="1837"/>
           </a:p>
         </p:txBody>
       </p:sp>
@@ -4200,8 +4263,8 @@
         </p:nvCxnSpPr>
         <p:spPr>
           <a:xfrm flipV="1">
-            <a:off x="1263008" y="2931519"/>
-            <a:ext cx="1095607" cy="1"/>
+            <a:off x="1105218" y="2601890"/>
+            <a:ext cx="1437731" cy="1"/>
           </a:xfrm>
           <a:prstGeom prst="straightConnector1">
             <a:avLst/>
@@ -4236,8 +4299,8 @@
         </p:nvSpPr>
         <p:spPr>
           <a:xfrm>
-            <a:off x="1109868" y="2989204"/>
-            <a:ext cx="1258364" cy="215444"/>
+            <a:off x="1213214" y="2677587"/>
+            <a:ext cx="1128774" cy="565411"/>
           </a:xfrm>
           <a:prstGeom prst="rect">
             <a:avLst/>
@@ -4252,8 +4315,8 @@
           <a:p>
             <a:pPr algn="ctr"/>
             <a:r>
-              <a:rPr lang="en-US" sz="1400" dirty="0"/>
-              <a:t>find n/keyword</a:t>
+              <a:rPr lang="en-US" sz="1837" dirty="0"/>
+              <a:t>Find n/keyword</a:t>
             </a:r>
           </a:p>
         </p:txBody>
@@ -4268,8 +4331,8 @@
         </p:nvCxnSpPr>
         <p:spPr>
           <a:xfrm>
-            <a:off x="2518129" y="3039017"/>
-            <a:ext cx="1516886" cy="1"/>
+            <a:off x="2749183" y="2788061"/>
+            <a:ext cx="1966953" cy="0"/>
           </a:xfrm>
           <a:prstGeom prst="straightConnector1">
             <a:avLst/>
@@ -4304,8 +4367,8 @@
         </p:nvSpPr>
         <p:spPr>
           <a:xfrm>
-            <a:off x="2552219" y="3082866"/>
-            <a:ext cx="1424846" cy="430887"/>
+            <a:off x="2793917" y="2845611"/>
+            <a:ext cx="1869782" cy="565411"/>
           </a:xfrm>
           <a:prstGeom prst="rect">
             <a:avLst/>
@@ -4320,7 +4383,7 @@
           <a:p>
             <a:pPr algn="ctr"/>
             <a:r>
-              <a:rPr lang="en-US" sz="1400" dirty="0">
+              <a:rPr lang="en-US" sz="1837" dirty="0">
                 <a:solidFill>
                   <a:srgbClr val="0070C0"/>
                 </a:solidFill>
@@ -4339,9 +4402,9 @@
           <p:nvPr/>
         </p:nvCxnSpPr>
         <p:spPr>
-          <a:xfrm flipV="1">
-            <a:off x="4280467" y="3232006"/>
-            <a:ext cx="1430927" cy="6503"/>
+          <a:xfrm>
+            <a:off x="12320231" y="4199778"/>
+            <a:ext cx="4344779" cy="0"/>
           </a:xfrm>
           <a:prstGeom prst="straightConnector1">
             <a:avLst/>
@@ -4376,8 +4439,8 @@
         </p:nvSpPr>
         <p:spPr>
           <a:xfrm>
-            <a:off x="4368828" y="3231571"/>
-            <a:ext cx="1228707" cy="215444"/>
+            <a:off x="14789192" y="4208320"/>
+            <a:ext cx="1612394" cy="282706"/>
           </a:xfrm>
           <a:prstGeom prst="rect">
             <a:avLst/>
@@ -4392,7 +4455,7 @@
           <a:p>
             <a:pPr algn="ctr"/>
             <a:r>
-              <a:rPr lang="en-US" sz="1400" dirty="0">
+              <a:rPr lang="en-US" sz="1837" dirty="0">
                 <a:solidFill>
                   <a:srgbClr val="7030A0"/>
                 </a:solidFill>
@@ -4411,9 +4474,9 @@
           <p:nvPr/>
         </p:nvCxnSpPr>
         <p:spPr>
-          <a:xfrm>
-            <a:off x="4156685" y="3586763"/>
-            <a:ext cx="1532384" cy="0"/>
+          <a:xfrm flipV="1">
+            <a:off x="12320236" y="4686275"/>
+            <a:ext cx="4262903" cy="31022"/>
           </a:xfrm>
           <a:prstGeom prst="straightConnector1">
             <a:avLst/>
@@ -4452,8 +4515,8 @@
         </p:nvCxnSpPr>
         <p:spPr>
           <a:xfrm>
-            <a:off x="2502653" y="4507812"/>
-            <a:ext cx="1532362" cy="0"/>
+            <a:off x="2728869" y="7299617"/>
+            <a:ext cx="2010872" cy="0"/>
           </a:xfrm>
           <a:prstGeom prst="straightConnector1">
             <a:avLst/>
@@ -4492,8 +4555,8 @@
         </p:nvCxnSpPr>
         <p:spPr>
           <a:xfrm>
-            <a:off x="1263008" y="4657260"/>
-            <a:ext cx="1087245" cy="0"/>
+            <a:off x="1105218" y="7454501"/>
+            <a:ext cx="1426757" cy="0"/>
           </a:xfrm>
           <a:prstGeom prst="straightConnector1">
             <a:avLst/>
@@ -4532,8 +4595,8 @@
         </p:nvCxnSpPr>
         <p:spPr>
           <a:xfrm>
-            <a:off x="1072833" y="2712598"/>
-            <a:ext cx="0" cy="2100728"/>
+            <a:off x="855657" y="2314605"/>
+            <a:ext cx="0" cy="5339886"/>
           </a:xfrm>
           <a:prstGeom prst="line">
             <a:avLst/>
@@ -4563,10 +4626,50 @@
       </p:cxnSp>
       <p:sp>
         <p:nvSpPr>
-          <p:cNvPr id="27" name="Rectangle 26">
+          <p:cNvPr id="31" name="TextBox 30">
             <a:extLst>
               <a:ext uri="{FF2B5EF4-FFF2-40B4-BE49-F238E27FC236}">
-                <a16:creationId xmlns:a16="http://schemas.microsoft.com/office/drawing/2014/main" id="{2425EC23-F0D0-4B8E-8A16-4EFB6BA843B7}"/>
+                <a16:creationId xmlns:a16="http://schemas.microsoft.com/office/drawing/2014/main" id="{731D5CD2-49EC-4606-9E3E-3230A2D98728}"/>
+              </a:ext>
+            </a:extLst>
+          </p:cNvPr>
+          <p:cNvSpPr txBox="1"/>
+          <p:nvPr/>
+        </p:nvSpPr>
+        <p:spPr>
+          <a:xfrm>
+            <a:off x="12433730" y="5076924"/>
+            <a:ext cx="1925936" cy="565411"/>
+          </a:xfrm>
+          <a:prstGeom prst="rect">
+            <a:avLst/>
+          </a:prstGeom>
+          <a:noFill/>
+        </p:spPr>
+        <p:txBody>
+          <a:bodyPr wrap="square" lIns="0" tIns="0" rIns="0" bIns="0" rtlCol="0">
+            <a:spAutoFit/>
+          </a:bodyPr>
+          <a:lstStyle/>
+          <a:p>
+            <a:pPr algn="ctr"/>
+            <a:r>
+              <a:rPr lang="en-US" sz="1837" dirty="0">
+                <a:solidFill>
+                  <a:srgbClr val="0070C0"/>
+                </a:solidFill>
+              </a:rPr>
+              <a:t>generateDiscoveredNames()</a:t>
+            </a:r>
+          </a:p>
+        </p:txBody>
+      </p:sp>
+      <p:sp>
+        <p:nvSpPr>
+          <p:cNvPr id="33" name="Rectangle 62">
+            <a:extLst>
+              <a:ext uri="{FF2B5EF4-FFF2-40B4-BE49-F238E27FC236}">
+                <a16:creationId xmlns:a16="http://schemas.microsoft.com/office/drawing/2014/main" id="{2AF3AC5E-EBC2-47EB-911C-378124232EB8}"/>
               </a:ext>
             </a:extLst>
           </p:cNvPr>
@@ -4575,8 +4678,118 @@
         </p:nvSpPr>
         <p:spPr>
           <a:xfrm>
-            <a:off x="4137320" y="3087114"/>
-            <a:ext cx="152376" cy="1169507"/>
+            <a:off x="5965569" y="1699907"/>
+            <a:ext cx="2010895" cy="455042"/>
+          </a:xfrm>
+          <a:prstGeom prst="rect">
+            <a:avLst/>
+          </a:prstGeom>
+          <a:solidFill>
+            <a:srgbClr val="0070C0"/>
+          </a:solidFill>
+          <a:ln w="19050">
+            <a:solidFill>
+              <a:srgbClr val="0070C0"/>
+            </a:solidFill>
+          </a:ln>
+          <a:effectLst/>
+        </p:spPr>
+        <p:style>
+          <a:lnRef idx="1">
+            <a:schemeClr val="accent2"/>
+          </a:lnRef>
+          <a:fillRef idx="2">
+            <a:schemeClr val="accent2"/>
+          </a:fillRef>
+          <a:effectRef idx="1">
+            <a:schemeClr val="accent2"/>
+          </a:effectRef>
+          <a:fontRef idx="minor">
+            <a:schemeClr val="dk1"/>
+          </a:fontRef>
+        </p:style>
+        <p:txBody>
+          <a:bodyPr rtlCol="0" anchor="ctr"/>
+          <a:lstStyle/>
+          <a:p>
+            <a:pPr algn="ctr"/>
+            <a:r>
+              <a:rPr lang="en-US" sz="2100" dirty="0">
+                <a:solidFill>
+                  <a:schemeClr val="bg1"/>
+                </a:solidFill>
+              </a:rPr>
+              <a:t>:ParserManager</a:t>
+            </a:r>
+            <a:endParaRPr lang="en-SG" sz="2100" dirty="0">
+              <a:solidFill>
+                <a:schemeClr val="bg1"/>
+              </a:solidFill>
+            </a:endParaRPr>
+          </a:p>
+        </p:txBody>
+      </p:sp>
+      <p:cxnSp>
+        <p:nvCxnSpPr>
+          <p:cNvPr id="36" name="Straight Connector 35">
+            <a:extLst>
+              <a:ext uri="{FF2B5EF4-FFF2-40B4-BE49-F238E27FC236}">
+                <a16:creationId xmlns:a16="http://schemas.microsoft.com/office/drawing/2014/main" id="{56CADBF3-DBE8-4A4E-81F9-3A3D301AAAAF}"/>
+              </a:ext>
+            </a:extLst>
+          </p:cNvPr>
+          <p:cNvCxnSpPr>
+            <a:cxnSpLocks/>
+          </p:cNvCxnSpPr>
+          <p:nvPr/>
+        </p:nvCxnSpPr>
+        <p:spPr>
+          <a:xfrm>
+            <a:off x="6931693" y="2177145"/>
+            <a:ext cx="0" cy="2031175"/>
+          </a:xfrm>
+          <a:prstGeom prst="line">
+            <a:avLst/>
+          </a:prstGeom>
+          <a:ln w="19050">
+            <a:solidFill>
+              <a:srgbClr val="0070C0"/>
+            </a:solidFill>
+            <a:prstDash val="sysDash"/>
+          </a:ln>
+          <a:effectLst/>
+        </p:spPr>
+        <p:style>
+          <a:lnRef idx="1">
+            <a:schemeClr val="accent1"/>
+          </a:lnRef>
+          <a:fillRef idx="2">
+            <a:schemeClr val="accent1"/>
+          </a:fillRef>
+          <a:effectRef idx="1">
+            <a:schemeClr val="accent1"/>
+          </a:effectRef>
+          <a:fontRef idx="minor">
+            <a:schemeClr val="dk1"/>
+          </a:fontRef>
+        </p:style>
+      </p:cxnSp>
+      <p:sp>
+        <p:nvSpPr>
+          <p:cNvPr id="38" name="Rectangle 37">
+            <a:extLst>
+              <a:ext uri="{FF2B5EF4-FFF2-40B4-BE49-F238E27FC236}">
+                <a16:creationId xmlns:a16="http://schemas.microsoft.com/office/drawing/2014/main" id="{A2BC4AF4-8740-4C04-B1E8-1C744377CE79}"/>
+              </a:ext>
+            </a:extLst>
+          </p:cNvPr>
+          <p:cNvSpPr/>
+          <p:nvPr/>
+        </p:nvSpPr>
+        <p:spPr>
+          <a:xfrm>
+            <a:off x="6837199" y="2899845"/>
+            <a:ext cx="199958" cy="915024"/>
           </a:xfrm>
           <a:prstGeom prst="rect">
             <a:avLst/>
@@ -4586,7 +4799,7 @@
           </a:solidFill>
           <a:ln>
             <a:solidFill>
-              <a:schemeClr val="tx1"/>
+              <a:srgbClr val="0070C0"/>
             </a:solidFill>
           </a:ln>
           <a:effectLst/>
@@ -4610,42 +4823,363 @@
           <a:lstStyle/>
           <a:p>
             <a:pPr algn="ctr"/>
-            <a:endParaRPr lang="en-SG" sz="1400">
-              <a:solidFill>
-                <a:schemeClr val="dk1"/>
-              </a:solidFill>
-            </a:endParaRPr>
-          </a:p>
-        </p:txBody>
-      </p:sp>
-      <p:cxnSp>
-        <p:nvCxnSpPr>
-          <p:cNvPr id="30" name="Curved Connector 12">
+            <a:endParaRPr lang="en-SG" sz="1837"/>
+          </a:p>
+        </p:txBody>
+      </p:sp>
+      <p:sp>
+        <p:nvSpPr>
+          <p:cNvPr id="39" name="Rectangle 62">
             <a:extLst>
               <a:ext uri="{FF2B5EF4-FFF2-40B4-BE49-F238E27FC236}">
-                <a16:creationId xmlns:a16="http://schemas.microsoft.com/office/drawing/2014/main" id="{B3F8C2BB-1F84-4A72-9799-265A2D1B92E0}"/>
+                <a16:creationId xmlns:a16="http://schemas.microsoft.com/office/drawing/2014/main" id="{ADEADF77-4167-499F-AFE1-F02AA026CF98}"/>
               </a:ext>
             </a:extLst>
           </p:cNvPr>
-          <p:cNvCxnSpPr/>
+          <p:cNvSpPr/>
+          <p:nvPr/>
+        </p:nvSpPr>
+        <p:spPr>
+          <a:xfrm>
+            <a:off x="8165453" y="1699907"/>
+            <a:ext cx="2699860" cy="455042"/>
+          </a:xfrm>
+          <a:prstGeom prst="rect">
+            <a:avLst/>
+          </a:prstGeom>
+          <a:solidFill>
+            <a:srgbClr val="0070C0"/>
+          </a:solidFill>
+          <a:ln w="19050">
+            <a:solidFill>
+              <a:srgbClr val="0070C0"/>
+            </a:solidFill>
+          </a:ln>
+          <a:effectLst/>
+        </p:spPr>
+        <p:style>
+          <a:lnRef idx="1">
+            <a:schemeClr val="accent2"/>
+          </a:lnRef>
+          <a:fillRef idx="2">
+            <a:schemeClr val="accent2"/>
+          </a:fillRef>
+          <a:effectRef idx="1">
+            <a:schemeClr val="accent2"/>
+          </a:effectRef>
+          <a:fontRef idx="minor">
+            <a:schemeClr val="dk1"/>
+          </a:fontRef>
+        </p:style>
+        <p:txBody>
+          <a:bodyPr rtlCol="0" anchor="ctr"/>
+          <a:lstStyle/>
+          <a:p>
+            <a:pPr algn="ctr"/>
+            <a:r>
+              <a:rPr lang="en-US" sz="2100" dirty="0">
+                <a:solidFill>
+                  <a:schemeClr val="bg1"/>
+                </a:solidFill>
+              </a:rPr>
+              <a:t>:FindCommandParser</a:t>
+            </a:r>
+            <a:endParaRPr lang="en-SG" sz="2100" dirty="0">
+              <a:solidFill>
+                <a:schemeClr val="bg1"/>
+              </a:solidFill>
+            </a:endParaRPr>
+          </a:p>
+        </p:txBody>
+      </p:sp>
+      <p:cxnSp>
+        <p:nvCxnSpPr>
+          <p:cNvPr id="40" name="Straight Connector 39">
+            <a:extLst>
+              <a:ext uri="{FF2B5EF4-FFF2-40B4-BE49-F238E27FC236}">
+                <a16:creationId xmlns:a16="http://schemas.microsoft.com/office/drawing/2014/main" id="{AE985DCC-83C0-4117-8C1D-234D1EC33945}"/>
+              </a:ext>
+            </a:extLst>
+          </p:cNvPr>
+          <p:cNvCxnSpPr>
+            <a:cxnSpLocks/>
+          </p:cNvCxnSpPr>
           <p:nvPr/>
         </p:nvCxnSpPr>
         <p:spPr>
-          <a:xfrm rot="16200000" flipH="1">
-            <a:off x="4239965" y="3977223"/>
-            <a:ext cx="156923" cy="76200"/>
-          </a:xfrm>
-          <a:prstGeom prst="curvedConnector4">
-            <a:avLst>
-              <a:gd name="adj1" fmla="val -145677"/>
-              <a:gd name="adj2" fmla="val 400000"/>
-            </a:avLst>
+          <a:xfrm>
+            <a:off x="9459877" y="2177150"/>
+            <a:ext cx="0" cy="2022638"/>
+          </a:xfrm>
+          <a:prstGeom prst="line">
+            <a:avLst/>
           </a:prstGeom>
+          <a:ln w="19050">
+            <a:solidFill>
+              <a:srgbClr val="0070C0"/>
+            </a:solidFill>
+            <a:prstDash val="sysDash"/>
+          </a:ln>
+          <a:effectLst/>
+        </p:spPr>
+        <p:style>
+          <a:lnRef idx="1">
+            <a:schemeClr val="accent1"/>
+          </a:lnRef>
+          <a:fillRef idx="2">
+            <a:schemeClr val="accent1"/>
+          </a:fillRef>
+          <a:effectRef idx="1">
+            <a:schemeClr val="accent1"/>
+          </a:effectRef>
+          <a:fontRef idx="minor">
+            <a:schemeClr val="dk1"/>
+          </a:fontRef>
+        </p:style>
+      </p:cxnSp>
+      <p:sp>
+        <p:nvSpPr>
+          <p:cNvPr id="41" name="Rectangle 40">
+            <a:extLst>
+              <a:ext uri="{FF2B5EF4-FFF2-40B4-BE49-F238E27FC236}">
+                <a16:creationId xmlns:a16="http://schemas.microsoft.com/office/drawing/2014/main" id="{3628E37B-4C1C-4E71-8E59-D89752ED3B43}"/>
+              </a:ext>
+            </a:extLst>
+          </p:cNvPr>
+          <p:cNvSpPr/>
+          <p:nvPr/>
+        </p:nvSpPr>
+        <p:spPr>
+          <a:xfrm>
+            <a:off x="9365383" y="2999848"/>
+            <a:ext cx="199958" cy="699947"/>
+          </a:xfrm>
+          <a:prstGeom prst="rect">
+            <a:avLst/>
+          </a:prstGeom>
+          <a:solidFill>
+            <a:srgbClr val="0070C0"/>
+          </a:solidFill>
           <a:ln>
             <a:solidFill>
               <a:srgbClr val="0070C0"/>
             </a:solidFill>
-            <a:tailEnd type="triangle"/>
+          </a:ln>
+          <a:effectLst/>
+        </p:spPr>
+        <p:style>
+          <a:lnRef idx="1">
+            <a:schemeClr val="accent3"/>
+          </a:lnRef>
+          <a:fillRef idx="2">
+            <a:schemeClr val="accent3"/>
+          </a:fillRef>
+          <a:effectRef idx="1">
+            <a:schemeClr val="accent3"/>
+          </a:effectRef>
+          <a:fontRef idx="minor">
+            <a:schemeClr val="dk1"/>
+          </a:fontRef>
+        </p:style>
+        <p:txBody>
+          <a:bodyPr rtlCol="0" anchor="ctr"/>
+          <a:lstStyle/>
+          <a:p>
+            <a:pPr algn="ctr"/>
+            <a:endParaRPr lang="en-SG" sz="1837"/>
+          </a:p>
+        </p:txBody>
+      </p:sp>
+      <p:sp>
+        <p:nvSpPr>
+          <p:cNvPr id="42" name="Rectangle 62">
+            <a:extLst>
+              <a:ext uri="{FF2B5EF4-FFF2-40B4-BE49-F238E27FC236}">
+                <a16:creationId xmlns:a16="http://schemas.microsoft.com/office/drawing/2014/main" id="{4F222053-D3DE-489C-BAD7-BB4F7C701CA7}"/>
+              </a:ext>
+            </a:extLst>
+          </p:cNvPr>
+          <p:cNvSpPr/>
+          <p:nvPr/>
+        </p:nvSpPr>
+        <p:spPr>
+          <a:xfrm>
+            <a:off x="11065305" y="1699907"/>
+            <a:ext cx="2099891" cy="455042"/>
+          </a:xfrm>
+          <a:prstGeom prst="rect">
+            <a:avLst/>
+          </a:prstGeom>
+          <a:solidFill>
+            <a:srgbClr val="0070C0"/>
+          </a:solidFill>
+          <a:ln w="19050">
+            <a:solidFill>
+              <a:srgbClr val="0070C0"/>
+            </a:solidFill>
+          </a:ln>
+          <a:effectLst/>
+        </p:spPr>
+        <p:style>
+          <a:lnRef idx="1">
+            <a:schemeClr val="accent2"/>
+          </a:lnRef>
+          <a:fillRef idx="2">
+            <a:schemeClr val="accent2"/>
+          </a:fillRef>
+          <a:effectRef idx="1">
+            <a:schemeClr val="accent2"/>
+          </a:effectRef>
+          <a:fontRef idx="minor">
+            <a:schemeClr val="dk1"/>
+          </a:fontRef>
+        </p:style>
+        <p:txBody>
+          <a:bodyPr rtlCol="0" anchor="ctr"/>
+          <a:lstStyle/>
+          <a:p>
+            <a:pPr algn="ctr"/>
+            <a:r>
+              <a:rPr lang="en-US" sz="2100" dirty="0">
+                <a:solidFill>
+                  <a:schemeClr val="bg1"/>
+                </a:solidFill>
+              </a:rPr>
+              <a:t>v:FindCommand</a:t>
+            </a:r>
+            <a:endParaRPr lang="en-SG" sz="2100" dirty="0">
+              <a:solidFill>
+                <a:schemeClr val="bg1"/>
+              </a:solidFill>
+            </a:endParaRPr>
+          </a:p>
+        </p:txBody>
+      </p:sp>
+      <p:cxnSp>
+        <p:nvCxnSpPr>
+          <p:cNvPr id="43" name="Straight Connector 42">
+            <a:extLst>
+              <a:ext uri="{FF2B5EF4-FFF2-40B4-BE49-F238E27FC236}">
+                <a16:creationId xmlns:a16="http://schemas.microsoft.com/office/drawing/2014/main" id="{8B53E5BA-2C17-4451-A025-E008E1CE4695}"/>
+              </a:ext>
+            </a:extLst>
+          </p:cNvPr>
+          <p:cNvCxnSpPr>
+            <a:cxnSpLocks/>
+          </p:cNvCxnSpPr>
+          <p:nvPr/>
+        </p:nvCxnSpPr>
+        <p:spPr>
+          <a:xfrm>
+            <a:off x="12159769" y="2177151"/>
+            <a:ext cx="0" cy="5022483"/>
+          </a:xfrm>
+          <a:prstGeom prst="line">
+            <a:avLst/>
+          </a:prstGeom>
+          <a:ln w="19050">
+            <a:solidFill>
+              <a:srgbClr val="0070C0"/>
+            </a:solidFill>
+            <a:prstDash val="sysDash"/>
+          </a:ln>
+          <a:effectLst/>
+        </p:spPr>
+        <p:style>
+          <a:lnRef idx="1">
+            <a:schemeClr val="accent1"/>
+          </a:lnRef>
+          <a:fillRef idx="2">
+            <a:schemeClr val="accent1"/>
+          </a:fillRef>
+          <a:effectRef idx="1">
+            <a:schemeClr val="accent1"/>
+          </a:effectRef>
+          <a:fontRef idx="minor">
+            <a:schemeClr val="dk1"/>
+          </a:fontRef>
+        </p:style>
+      </p:cxnSp>
+      <p:sp>
+        <p:nvSpPr>
+          <p:cNvPr id="44" name="Rectangle 43">
+            <a:extLst>
+              <a:ext uri="{FF2B5EF4-FFF2-40B4-BE49-F238E27FC236}">
+                <a16:creationId xmlns:a16="http://schemas.microsoft.com/office/drawing/2014/main" id="{77EF9C85-7700-4CC8-BAC2-D32DA9BB5D38}"/>
+              </a:ext>
+            </a:extLst>
+          </p:cNvPr>
+          <p:cNvSpPr/>
+          <p:nvPr/>
+        </p:nvSpPr>
+        <p:spPr>
+          <a:xfrm>
+            <a:off x="12065276" y="3099847"/>
+            <a:ext cx="199958" cy="499965"/>
+          </a:xfrm>
+          <a:prstGeom prst="rect">
+            <a:avLst/>
+          </a:prstGeom>
+          <a:solidFill>
+            <a:srgbClr val="0070C0"/>
+          </a:solidFill>
+          <a:ln>
+            <a:solidFill>
+              <a:srgbClr val="0070C0"/>
+            </a:solidFill>
+          </a:ln>
+          <a:effectLst/>
+        </p:spPr>
+        <p:style>
+          <a:lnRef idx="1">
+            <a:schemeClr val="accent3"/>
+          </a:lnRef>
+          <a:fillRef idx="2">
+            <a:schemeClr val="accent3"/>
+          </a:fillRef>
+          <a:effectRef idx="1">
+            <a:schemeClr val="accent3"/>
+          </a:effectRef>
+          <a:fontRef idx="minor">
+            <a:schemeClr val="dk1"/>
+          </a:fontRef>
+        </p:style>
+        <p:txBody>
+          <a:bodyPr rtlCol="0" anchor="ctr"/>
+          <a:lstStyle/>
+          <a:p>
+            <a:pPr algn="ctr"/>
+            <a:endParaRPr lang="en-SG" sz="1837"/>
+          </a:p>
+        </p:txBody>
+      </p:sp>
+      <p:cxnSp>
+        <p:nvCxnSpPr>
+          <p:cNvPr id="45" name="Straight Arrow Connector 44">
+            <a:extLst>
+              <a:ext uri="{FF2B5EF4-FFF2-40B4-BE49-F238E27FC236}">
+                <a16:creationId xmlns:a16="http://schemas.microsoft.com/office/drawing/2014/main" id="{1CEC698D-DEC0-4F4F-8848-88DB11A89339}"/>
+              </a:ext>
+            </a:extLst>
+          </p:cNvPr>
+          <p:cNvCxnSpPr>
+            <a:cxnSpLocks/>
+          </p:cNvCxnSpPr>
+          <p:nvPr/>
+        </p:nvCxnSpPr>
+        <p:spPr>
+          <a:xfrm flipV="1">
+            <a:off x="4941088" y="2899855"/>
+            <a:ext cx="1896122" cy="1"/>
+          </a:xfrm>
+          <a:prstGeom prst="straightConnector1">
+            <a:avLst/>
+          </a:prstGeom>
+          <a:ln w="19050">
+            <a:solidFill>
+              <a:srgbClr val="0070C0"/>
+            </a:solidFill>
+            <a:tailEnd type="arrow"/>
           </a:ln>
         </p:spPr>
         <p:style>
@@ -4665,10 +5199,10 @@
       </p:cxnSp>
       <p:sp>
         <p:nvSpPr>
-          <p:cNvPr id="31" name="TextBox 30">
+          <p:cNvPr id="46" name="TextBox 45">
             <a:extLst>
               <a:ext uri="{FF2B5EF4-FFF2-40B4-BE49-F238E27FC236}">
-                <a16:creationId xmlns:a16="http://schemas.microsoft.com/office/drawing/2014/main" id="{731D5CD2-49EC-4606-9E3E-3230A2D98728}"/>
+                <a16:creationId xmlns:a16="http://schemas.microsoft.com/office/drawing/2014/main" id="{486C88FE-CC3F-44A4-A382-45942E7398E0}"/>
               </a:ext>
             </a:extLst>
           </p:cNvPr>
@@ -4677,8 +5211,8 @@
         </p:nvSpPr>
         <p:spPr>
           <a:xfrm>
-            <a:off x="4599983" y="3821486"/>
-            <a:ext cx="1043249" cy="738664"/>
+            <a:off x="4933325" y="2928533"/>
+            <a:ext cx="1869798" cy="484748"/>
           </a:xfrm>
           <a:prstGeom prst="rect">
             <a:avLst/>
@@ -4693,47 +5227,43 @@
           <a:p>
             <a:pPr algn="ctr"/>
             <a:r>
-              <a:rPr lang="en-US" sz="1200" dirty="0">
+              <a:rPr lang="en-US" sz="1575" dirty="0">
                 <a:solidFill>
                   <a:srgbClr val="0070C0"/>
                 </a:solidFill>
               </a:rPr>
-              <a:t>generateDiscoveredNames(keyword, name, entry, slot)</a:t>
+              <a:t>parseCommand(“find n/keyword”)</a:t>
             </a:r>
           </a:p>
         </p:txBody>
       </p:sp>
       <p:cxnSp>
         <p:nvCxnSpPr>
-          <p:cNvPr id="43" name="Curved Connector 12">
+          <p:cNvPr id="47" name="Straight Arrow Connector 46">
             <a:extLst>
               <a:ext uri="{FF2B5EF4-FFF2-40B4-BE49-F238E27FC236}">
-                <a16:creationId xmlns:a16="http://schemas.microsoft.com/office/drawing/2014/main" id="{D2D3EC2F-0BBB-E54C-8BE0-5AEDFE49BDFA}"/>
+                <a16:creationId xmlns:a16="http://schemas.microsoft.com/office/drawing/2014/main" id="{5D731D3E-B387-4F56-A285-D44238C6B1A8}"/>
               </a:ext>
             </a:extLst>
           </p:cNvPr>
           <p:cNvCxnSpPr>
             <a:cxnSpLocks/>
-            <a:stCxn id="18" idx="0"/>
           </p:cNvCxnSpPr>
           <p:nvPr/>
         </p:nvCxnSpPr>
         <p:spPr>
-          <a:xfrm rot="16200000" flipH="1">
-            <a:off x="4158091" y="2992128"/>
-            <a:ext cx="78461" cy="172238"/>
-          </a:xfrm>
-          <a:prstGeom prst="curvedConnector4">
-            <a:avLst>
-              <a:gd name="adj1" fmla="val -291355"/>
-              <a:gd name="adj2" fmla="val 257566"/>
-            </a:avLst>
+          <a:xfrm flipV="1">
+            <a:off x="7065501" y="2999851"/>
+            <a:ext cx="2299882" cy="1"/>
+          </a:xfrm>
+          <a:prstGeom prst="straightConnector1">
+            <a:avLst/>
           </a:prstGeom>
-          <a:ln>
+          <a:ln w="19050">
             <a:solidFill>
               <a:srgbClr val="0070C0"/>
             </a:solidFill>
-            <a:tailEnd type="triangle"/>
+            <a:tailEnd type="arrow"/>
           </a:ln>
         </p:spPr>
         <p:style>
@@ -4753,10 +5283,10 @@
       </p:cxnSp>
       <p:sp>
         <p:nvSpPr>
-          <p:cNvPr id="46" name="TextBox 45">
+          <p:cNvPr id="48" name="TextBox 47">
             <a:extLst>
               <a:ext uri="{FF2B5EF4-FFF2-40B4-BE49-F238E27FC236}">
-                <a16:creationId xmlns:a16="http://schemas.microsoft.com/office/drawing/2014/main" id="{4CA1DC8F-AD95-C843-95DC-77F85F0A027C}"/>
+                <a16:creationId xmlns:a16="http://schemas.microsoft.com/office/drawing/2014/main" id="{E3A83390-26BC-4EC9-983B-5E54003CCBE7}"/>
               </a:ext>
             </a:extLst>
           </p:cNvPr>
@@ -4765,8 +5295,8 @@
         </p:nvSpPr>
         <p:spPr>
           <a:xfrm>
-            <a:off x="4382406" y="2626631"/>
-            <a:ext cx="1197145" cy="369332"/>
+            <a:off x="7465488" y="3028529"/>
+            <a:ext cx="1711102" cy="282706"/>
           </a:xfrm>
           <a:prstGeom prst="rect">
             <a:avLst/>
@@ -4781,22 +5311,66 @@
           <a:p>
             <a:pPr algn="ctr"/>
             <a:r>
-              <a:rPr lang="en-US" sz="1200" dirty="0">
+              <a:rPr lang="en-US" sz="1837" dirty="0">
                 <a:solidFill>
                   <a:srgbClr val="0070C0"/>
                 </a:solidFill>
               </a:rPr>
-              <a:t>FindCommand(keyword, null)</a:t>
-            </a:r>
-          </a:p>
-        </p:txBody>
-      </p:sp>
-      <p:sp>
-        <p:nvSpPr>
-          <p:cNvPr id="32" name="TextBox 31">
+              <a:t>parse(“keyword”)</a:t>
+            </a:r>
+          </a:p>
+        </p:txBody>
+      </p:sp>
+      <p:cxnSp>
+        <p:nvCxnSpPr>
+          <p:cNvPr id="49" name="Straight Arrow Connector 48">
             <a:extLst>
               <a:ext uri="{FF2B5EF4-FFF2-40B4-BE49-F238E27FC236}">
-                <a16:creationId xmlns:a16="http://schemas.microsoft.com/office/drawing/2014/main" id="{91C921F8-D956-F34A-BDA3-5C33FEC95B9A}"/>
+                <a16:creationId xmlns:a16="http://schemas.microsoft.com/office/drawing/2014/main" id="{B33592F5-5113-487F-A7EB-17AEA4D4528B}"/>
+              </a:ext>
+            </a:extLst>
+          </p:cNvPr>
+          <p:cNvCxnSpPr>
+            <a:cxnSpLocks/>
+          </p:cNvCxnSpPr>
+          <p:nvPr/>
+        </p:nvCxnSpPr>
+        <p:spPr>
+          <a:xfrm flipV="1">
+            <a:off x="9565372" y="3099847"/>
+            <a:ext cx="2499872" cy="1"/>
+          </a:xfrm>
+          <a:prstGeom prst="straightConnector1">
+            <a:avLst/>
+          </a:prstGeom>
+          <a:ln w="19050">
+            <a:solidFill>
+              <a:srgbClr val="0070C0"/>
+            </a:solidFill>
+            <a:tailEnd type="arrow"/>
+          </a:ln>
+        </p:spPr>
+        <p:style>
+          <a:lnRef idx="1">
+            <a:schemeClr val="accent1"/>
+          </a:lnRef>
+          <a:fillRef idx="0">
+            <a:schemeClr val="accent1"/>
+          </a:fillRef>
+          <a:effectRef idx="0">
+            <a:schemeClr val="accent1"/>
+          </a:effectRef>
+          <a:fontRef idx="minor">
+            <a:schemeClr val="tx1"/>
+          </a:fontRef>
+        </p:style>
+      </p:cxnSp>
+      <p:sp>
+        <p:nvSpPr>
+          <p:cNvPr id="50" name="TextBox 49">
+            <a:extLst>
+              <a:ext uri="{FF2B5EF4-FFF2-40B4-BE49-F238E27FC236}">
+                <a16:creationId xmlns:a16="http://schemas.microsoft.com/office/drawing/2014/main" id="{55B10691-3FCB-4741-BAB4-135E8D94B569}"/>
               </a:ext>
             </a:extLst>
           </p:cNvPr>
@@ -4805,8 +5379,8 @@
         </p:nvSpPr>
         <p:spPr>
           <a:xfrm>
-            <a:off x="2552219" y="4560150"/>
-            <a:ext cx="1424846" cy="215444"/>
+            <a:off x="9593073" y="3173014"/>
+            <a:ext cx="2461242" cy="222240"/>
           </a:xfrm>
           <a:prstGeom prst="rect">
             <a:avLst/>
@@ -4821,13 +5395,913 @@
           <a:p>
             <a:pPr algn="ctr"/>
             <a:r>
-              <a:rPr lang="en-US" sz="1400" dirty="0">
+              <a:rPr lang="en-US" sz="1444" dirty="0">
                 <a:solidFill>
                   <a:srgbClr val="0070C0"/>
                 </a:solidFill>
               </a:rPr>
-              <a:t>CommandResult(…)</a:t>
-            </a:r>
+              <a:t>FindCommand(“keyword”, null)</a:t>
+            </a:r>
+          </a:p>
+        </p:txBody>
+      </p:sp>
+      <p:cxnSp>
+        <p:nvCxnSpPr>
+          <p:cNvPr id="51" name="Straight Arrow Connector 50">
+            <a:extLst>
+              <a:ext uri="{FF2B5EF4-FFF2-40B4-BE49-F238E27FC236}">
+                <a16:creationId xmlns:a16="http://schemas.microsoft.com/office/drawing/2014/main" id="{8266E446-317E-4D73-8388-DDB9ED82C30E}"/>
+              </a:ext>
+            </a:extLst>
+          </p:cNvPr>
+          <p:cNvCxnSpPr>
+            <a:cxnSpLocks/>
+          </p:cNvCxnSpPr>
+          <p:nvPr/>
+        </p:nvCxnSpPr>
+        <p:spPr>
+          <a:xfrm flipH="1">
+            <a:off x="9565382" y="3599808"/>
+            <a:ext cx="2488934" cy="0"/>
+          </a:xfrm>
+          <a:prstGeom prst="straightConnector1">
+            <a:avLst/>
+          </a:prstGeom>
+          <a:ln w="19050">
+            <a:solidFill>
+              <a:srgbClr val="0070C0"/>
+            </a:solidFill>
+            <a:prstDash val="sysDash"/>
+            <a:tailEnd type="arrow"/>
+          </a:ln>
+        </p:spPr>
+        <p:style>
+          <a:lnRef idx="1">
+            <a:schemeClr val="accent1"/>
+          </a:lnRef>
+          <a:fillRef idx="0">
+            <a:schemeClr val="accent1"/>
+          </a:fillRef>
+          <a:effectRef idx="0">
+            <a:schemeClr val="accent1"/>
+          </a:effectRef>
+          <a:fontRef idx="minor">
+            <a:schemeClr val="tx1"/>
+          </a:fontRef>
+        </p:style>
+      </p:cxnSp>
+      <p:cxnSp>
+        <p:nvCxnSpPr>
+          <p:cNvPr id="52" name="Straight Arrow Connector 51">
+            <a:extLst>
+              <a:ext uri="{FF2B5EF4-FFF2-40B4-BE49-F238E27FC236}">
+                <a16:creationId xmlns:a16="http://schemas.microsoft.com/office/drawing/2014/main" id="{C2AFBA44-2C14-45D5-8D8F-89ECD99A2838}"/>
+              </a:ext>
+            </a:extLst>
+          </p:cNvPr>
+          <p:cNvCxnSpPr>
+            <a:cxnSpLocks/>
+          </p:cNvCxnSpPr>
+          <p:nvPr/>
+        </p:nvCxnSpPr>
+        <p:spPr>
+          <a:xfrm rot="10800000" flipV="1">
+            <a:off x="7045845" y="3699795"/>
+            <a:ext cx="2299882" cy="1"/>
+          </a:xfrm>
+          <a:prstGeom prst="straightConnector1">
+            <a:avLst/>
+          </a:prstGeom>
+          <a:ln w="19050">
+            <a:solidFill>
+              <a:srgbClr val="0070C0"/>
+            </a:solidFill>
+            <a:prstDash val="sysDash"/>
+            <a:tailEnd type="arrow"/>
+          </a:ln>
+        </p:spPr>
+        <p:style>
+          <a:lnRef idx="1">
+            <a:schemeClr val="accent1"/>
+          </a:lnRef>
+          <a:fillRef idx="0">
+            <a:schemeClr val="accent1"/>
+          </a:fillRef>
+          <a:effectRef idx="0">
+            <a:schemeClr val="accent1"/>
+          </a:effectRef>
+          <a:fontRef idx="minor">
+            <a:schemeClr val="tx1"/>
+          </a:fontRef>
+        </p:style>
+      </p:cxnSp>
+      <p:cxnSp>
+        <p:nvCxnSpPr>
+          <p:cNvPr id="53" name="Straight Arrow Connector 52">
+            <a:extLst>
+              <a:ext uri="{FF2B5EF4-FFF2-40B4-BE49-F238E27FC236}">
+                <a16:creationId xmlns:a16="http://schemas.microsoft.com/office/drawing/2014/main" id="{D37A435E-1AF7-45BF-B1C2-E67809A65FDA}"/>
+              </a:ext>
+            </a:extLst>
+          </p:cNvPr>
+          <p:cNvCxnSpPr>
+            <a:cxnSpLocks/>
+          </p:cNvCxnSpPr>
+          <p:nvPr/>
+        </p:nvCxnSpPr>
+        <p:spPr>
+          <a:xfrm rot="10800000" flipV="1">
+            <a:off x="4927811" y="3814876"/>
+            <a:ext cx="1896122" cy="1"/>
+          </a:xfrm>
+          <a:prstGeom prst="straightConnector1">
+            <a:avLst/>
+          </a:prstGeom>
+          <a:ln w="19050">
+            <a:solidFill>
+              <a:srgbClr val="0070C0"/>
+            </a:solidFill>
+            <a:prstDash val="sysDash"/>
+            <a:tailEnd type="arrow"/>
+          </a:ln>
+        </p:spPr>
+        <p:style>
+          <a:lnRef idx="1">
+            <a:schemeClr val="accent1"/>
+          </a:lnRef>
+          <a:fillRef idx="0">
+            <a:schemeClr val="accent1"/>
+          </a:fillRef>
+          <a:effectRef idx="0">
+            <a:schemeClr val="accent1"/>
+          </a:effectRef>
+          <a:fontRef idx="minor">
+            <a:schemeClr val="tx1"/>
+          </a:fontRef>
+        </p:style>
+      </p:cxnSp>
+      <p:cxnSp>
+        <p:nvCxnSpPr>
+          <p:cNvPr id="54" name="Straight Arrow Connector 53">
+            <a:extLst>
+              <a:ext uri="{FF2B5EF4-FFF2-40B4-BE49-F238E27FC236}">
+                <a16:creationId xmlns:a16="http://schemas.microsoft.com/office/drawing/2014/main" id="{41AE6401-C9AD-4A16-9092-E1183665B4BD}"/>
+              </a:ext>
+            </a:extLst>
+          </p:cNvPr>
+          <p:cNvCxnSpPr>
+            <a:cxnSpLocks/>
+          </p:cNvCxnSpPr>
+          <p:nvPr/>
+        </p:nvCxnSpPr>
+        <p:spPr>
+          <a:xfrm flipV="1">
+            <a:off x="4965619" y="4099795"/>
+            <a:ext cx="7088697" cy="1"/>
+          </a:xfrm>
+          <a:prstGeom prst="straightConnector1">
+            <a:avLst/>
+          </a:prstGeom>
+          <a:ln w="19050">
+            <a:solidFill>
+              <a:srgbClr val="0070C0"/>
+            </a:solidFill>
+            <a:tailEnd type="arrow"/>
+          </a:ln>
+        </p:spPr>
+        <p:style>
+          <a:lnRef idx="1">
+            <a:schemeClr val="accent1"/>
+          </a:lnRef>
+          <a:fillRef idx="0">
+            <a:schemeClr val="accent1"/>
+          </a:fillRef>
+          <a:effectRef idx="0">
+            <a:schemeClr val="accent1"/>
+          </a:effectRef>
+          <a:fontRef idx="minor">
+            <a:schemeClr val="tx1"/>
+          </a:fontRef>
+        </p:style>
+      </p:cxnSp>
+      <p:sp>
+        <p:nvSpPr>
+          <p:cNvPr id="56" name="Rectangle 55">
+            <a:extLst>
+              <a:ext uri="{FF2B5EF4-FFF2-40B4-BE49-F238E27FC236}">
+                <a16:creationId xmlns:a16="http://schemas.microsoft.com/office/drawing/2014/main" id="{09494BDA-A973-47AE-97EF-0A4C67D2A960}"/>
+              </a:ext>
+            </a:extLst>
+          </p:cNvPr>
+          <p:cNvSpPr/>
+          <p:nvPr/>
+        </p:nvSpPr>
+        <p:spPr>
+          <a:xfrm>
+            <a:off x="12065244" y="4099801"/>
+            <a:ext cx="199958" cy="2999837"/>
+          </a:xfrm>
+          <a:prstGeom prst="rect">
+            <a:avLst/>
+          </a:prstGeom>
+          <a:solidFill>
+            <a:srgbClr val="0070C0"/>
+          </a:solidFill>
+          <a:ln>
+            <a:solidFill>
+              <a:srgbClr val="0070C0"/>
+            </a:solidFill>
+          </a:ln>
+          <a:effectLst/>
+        </p:spPr>
+        <p:style>
+          <a:lnRef idx="1">
+            <a:schemeClr val="accent3"/>
+          </a:lnRef>
+          <a:fillRef idx="2">
+            <a:schemeClr val="accent3"/>
+          </a:fillRef>
+          <a:effectRef idx="1">
+            <a:schemeClr val="accent3"/>
+          </a:effectRef>
+          <a:fontRef idx="minor">
+            <a:schemeClr val="dk1"/>
+          </a:fontRef>
+        </p:style>
+        <p:txBody>
+          <a:bodyPr rtlCol="0" anchor="ctr"/>
+          <a:lstStyle/>
+          <a:p>
+            <a:pPr algn="ctr"/>
+            <a:endParaRPr lang="en-SG" sz="1837"/>
+          </a:p>
+        </p:txBody>
+      </p:sp>
+      <p:sp>
+        <p:nvSpPr>
+          <p:cNvPr id="58" name="TextBox 57">
+            <a:extLst>
+              <a:ext uri="{FF2B5EF4-FFF2-40B4-BE49-F238E27FC236}">
+                <a16:creationId xmlns:a16="http://schemas.microsoft.com/office/drawing/2014/main" id="{669D3C42-7A50-4C8D-B5B1-ABF22B645206}"/>
+              </a:ext>
+            </a:extLst>
+          </p:cNvPr>
+          <p:cNvSpPr txBox="1"/>
+          <p:nvPr/>
+        </p:nvSpPr>
+        <p:spPr>
+          <a:xfrm>
+            <a:off x="7665472" y="4117049"/>
+            <a:ext cx="1557164" cy="282706"/>
+          </a:xfrm>
+          <a:prstGeom prst="rect">
+            <a:avLst/>
+          </a:prstGeom>
+          <a:noFill/>
+        </p:spPr>
+        <p:txBody>
+          <a:bodyPr wrap="square" lIns="0" tIns="0" rIns="0" bIns="0" rtlCol="0">
+            <a:spAutoFit/>
+          </a:bodyPr>
+          <a:lstStyle/>
+          <a:p>
+            <a:pPr algn="ctr"/>
+            <a:r>
+              <a:rPr lang="en-US" sz="1837" dirty="0">
+                <a:solidFill>
+                  <a:srgbClr val="0070C0"/>
+                </a:solidFill>
+              </a:rPr>
+              <a:t>execute()</a:t>
+            </a:r>
+          </a:p>
+        </p:txBody>
+      </p:sp>
+      <p:sp>
+        <p:nvSpPr>
+          <p:cNvPr id="59" name="TextBox 58">
+            <a:extLst>
+              <a:ext uri="{FF2B5EF4-FFF2-40B4-BE49-F238E27FC236}">
+                <a16:creationId xmlns:a16="http://schemas.microsoft.com/office/drawing/2014/main" id="{150477F2-983D-4178-9ED4-9A8713DC6EBA}"/>
+              </a:ext>
+            </a:extLst>
+          </p:cNvPr>
+          <p:cNvSpPr txBox="1"/>
+          <p:nvPr/>
+        </p:nvSpPr>
+        <p:spPr>
+          <a:xfrm>
+            <a:off x="5156936" y="3536111"/>
+            <a:ext cx="1557164" cy="282706"/>
+          </a:xfrm>
+          <a:prstGeom prst="rect">
+            <a:avLst/>
+          </a:prstGeom>
+          <a:noFill/>
+        </p:spPr>
+        <p:txBody>
+          <a:bodyPr wrap="square" lIns="0" tIns="0" rIns="0" bIns="0" rtlCol="0">
+            <a:spAutoFit/>
+          </a:bodyPr>
+          <a:lstStyle/>
+          <a:p>
+            <a:pPr algn="ctr"/>
+            <a:r>
+              <a:rPr lang="en-US" sz="1837" dirty="0">
+                <a:solidFill>
+                  <a:srgbClr val="0070C0"/>
+                </a:solidFill>
+              </a:rPr>
+              <a:t>v</a:t>
+            </a:r>
+          </a:p>
+        </p:txBody>
+      </p:sp>
+      <p:sp>
+        <p:nvSpPr>
+          <p:cNvPr id="27" name="Rectangle 26">
+            <a:extLst>
+              <a:ext uri="{FF2B5EF4-FFF2-40B4-BE49-F238E27FC236}">
+                <a16:creationId xmlns:a16="http://schemas.microsoft.com/office/drawing/2014/main" id="{2425EC23-F0D0-4B8E-8A16-4EFB6BA843B7}"/>
+              </a:ext>
+            </a:extLst>
+          </p:cNvPr>
+          <p:cNvSpPr/>
+          <p:nvPr/>
+        </p:nvSpPr>
+        <p:spPr>
+          <a:xfrm>
+            <a:off x="12165239" y="5739050"/>
+            <a:ext cx="199958" cy="311773"/>
+          </a:xfrm>
+          <a:prstGeom prst="rect">
+            <a:avLst/>
+          </a:prstGeom>
+          <a:solidFill>
+            <a:srgbClr val="0070C0"/>
+          </a:solidFill>
+          <a:ln>
+            <a:solidFill>
+              <a:schemeClr val="tx1"/>
+            </a:solidFill>
+          </a:ln>
+          <a:effectLst/>
+        </p:spPr>
+        <p:style>
+          <a:lnRef idx="1">
+            <a:schemeClr val="accent3"/>
+          </a:lnRef>
+          <a:fillRef idx="2">
+            <a:schemeClr val="accent3"/>
+          </a:fillRef>
+          <a:effectRef idx="1">
+            <a:schemeClr val="accent3"/>
+          </a:effectRef>
+          <a:fontRef idx="minor">
+            <a:schemeClr val="dk1"/>
+          </a:fontRef>
+        </p:style>
+        <p:txBody>
+          <a:bodyPr rtlCol="0" anchor="ctr"/>
+          <a:lstStyle/>
+          <a:p>
+            <a:pPr algn="ctr"/>
+            <a:endParaRPr lang="en-SG" sz="1837"/>
+          </a:p>
+        </p:txBody>
+      </p:sp>
+      <p:sp>
+        <p:nvSpPr>
+          <p:cNvPr id="69" name="Rectangle 62">
+            <a:extLst>
+              <a:ext uri="{FF2B5EF4-FFF2-40B4-BE49-F238E27FC236}">
+                <a16:creationId xmlns:a16="http://schemas.microsoft.com/office/drawing/2014/main" id="{1F1FA207-18C3-479A-83BA-82D89D25A7AA}"/>
+              </a:ext>
+            </a:extLst>
+          </p:cNvPr>
+          <p:cNvSpPr/>
+          <p:nvPr/>
+        </p:nvSpPr>
+        <p:spPr>
+          <a:xfrm>
+            <a:off x="13365187" y="1699907"/>
+            <a:ext cx="2099891" cy="455042"/>
+          </a:xfrm>
+          <a:prstGeom prst="rect">
+            <a:avLst/>
+          </a:prstGeom>
+          <a:solidFill>
+            <a:srgbClr val="0070C0"/>
+          </a:solidFill>
+          <a:ln w="19050">
+            <a:solidFill>
+              <a:srgbClr val="0070C0"/>
+            </a:solidFill>
+          </a:ln>
+          <a:effectLst/>
+        </p:spPr>
+        <p:style>
+          <a:lnRef idx="1">
+            <a:schemeClr val="accent2"/>
+          </a:lnRef>
+          <a:fillRef idx="2">
+            <a:schemeClr val="accent2"/>
+          </a:fillRef>
+          <a:effectRef idx="1">
+            <a:schemeClr val="accent2"/>
+          </a:effectRef>
+          <a:fontRef idx="minor">
+            <a:schemeClr val="dk1"/>
+          </a:fontRef>
+        </p:style>
+        <p:txBody>
+          <a:bodyPr rtlCol="0" anchor="ctr"/>
+          <a:lstStyle/>
+          <a:p>
+            <a:pPr algn="ctr"/>
+            <a:r>
+              <a:rPr lang="en-US" sz="2100" dirty="0">
+                <a:solidFill>
+                  <a:schemeClr val="bg1"/>
+                </a:solidFill>
+              </a:rPr>
+              <a:t>:CommandResult</a:t>
+            </a:r>
+            <a:endParaRPr lang="en-SG" sz="2100" dirty="0">
+              <a:solidFill>
+                <a:schemeClr val="bg1"/>
+              </a:solidFill>
+            </a:endParaRPr>
+          </a:p>
+        </p:txBody>
+      </p:sp>
+      <p:cxnSp>
+        <p:nvCxnSpPr>
+          <p:cNvPr id="70" name="Straight Connector 69">
+            <a:extLst>
+              <a:ext uri="{FF2B5EF4-FFF2-40B4-BE49-F238E27FC236}">
+                <a16:creationId xmlns:a16="http://schemas.microsoft.com/office/drawing/2014/main" id="{26D02898-B6A4-4197-81F2-9BB45A9BDB88}"/>
+              </a:ext>
+            </a:extLst>
+          </p:cNvPr>
+          <p:cNvCxnSpPr>
+            <a:cxnSpLocks/>
+          </p:cNvCxnSpPr>
+          <p:nvPr/>
+        </p:nvCxnSpPr>
+        <p:spPr>
+          <a:xfrm>
+            <a:off x="14459653" y="2177150"/>
+            <a:ext cx="0" cy="4822494"/>
+          </a:xfrm>
+          <a:prstGeom prst="line">
+            <a:avLst/>
+          </a:prstGeom>
+          <a:ln w="19050">
+            <a:solidFill>
+              <a:srgbClr val="0070C0"/>
+            </a:solidFill>
+            <a:prstDash val="sysDash"/>
+          </a:ln>
+          <a:effectLst/>
+        </p:spPr>
+        <p:style>
+          <a:lnRef idx="1">
+            <a:schemeClr val="accent1"/>
+          </a:lnRef>
+          <a:fillRef idx="2">
+            <a:schemeClr val="accent1"/>
+          </a:fillRef>
+          <a:effectRef idx="1">
+            <a:schemeClr val="accent1"/>
+          </a:effectRef>
+          <a:fontRef idx="minor">
+            <a:schemeClr val="dk1"/>
+          </a:fontRef>
+        </p:style>
+      </p:cxnSp>
+      <p:sp>
+        <p:nvSpPr>
+          <p:cNvPr id="71" name="Rectangle 70">
+            <a:extLst>
+              <a:ext uri="{FF2B5EF4-FFF2-40B4-BE49-F238E27FC236}">
+                <a16:creationId xmlns:a16="http://schemas.microsoft.com/office/drawing/2014/main" id="{5C1256EF-2C1F-4783-AA3C-55A58E635ADF}"/>
+              </a:ext>
+            </a:extLst>
+          </p:cNvPr>
+          <p:cNvSpPr/>
+          <p:nvPr/>
+        </p:nvSpPr>
+        <p:spPr>
+          <a:xfrm>
+            <a:off x="14365159" y="6399681"/>
+            <a:ext cx="199958" cy="499965"/>
+          </a:xfrm>
+          <a:prstGeom prst="rect">
+            <a:avLst/>
+          </a:prstGeom>
+          <a:solidFill>
+            <a:srgbClr val="0070C0"/>
+          </a:solidFill>
+          <a:ln>
+            <a:solidFill>
+              <a:srgbClr val="0070C0"/>
+            </a:solidFill>
+          </a:ln>
+          <a:effectLst/>
+        </p:spPr>
+        <p:style>
+          <a:lnRef idx="1">
+            <a:schemeClr val="accent3"/>
+          </a:lnRef>
+          <a:fillRef idx="2">
+            <a:schemeClr val="accent3"/>
+          </a:fillRef>
+          <a:effectRef idx="1">
+            <a:schemeClr val="accent3"/>
+          </a:effectRef>
+          <a:fontRef idx="minor">
+            <a:schemeClr val="dk1"/>
+          </a:fontRef>
+        </p:style>
+        <p:txBody>
+          <a:bodyPr rtlCol="0" anchor="ctr"/>
+          <a:lstStyle/>
+          <a:p>
+            <a:pPr algn="ctr"/>
+            <a:endParaRPr lang="en-SG" sz="1837"/>
+          </a:p>
+        </p:txBody>
+      </p:sp>
+      <p:cxnSp>
+        <p:nvCxnSpPr>
+          <p:cNvPr id="75" name="Straight Arrow Connector 74">
+            <a:extLst>
+              <a:ext uri="{FF2B5EF4-FFF2-40B4-BE49-F238E27FC236}">
+                <a16:creationId xmlns:a16="http://schemas.microsoft.com/office/drawing/2014/main" id="{F5078C6A-09A9-4E4A-983A-7FCD46644273}"/>
+              </a:ext>
+            </a:extLst>
+          </p:cNvPr>
+          <p:cNvCxnSpPr>
+            <a:cxnSpLocks/>
+          </p:cNvCxnSpPr>
+          <p:nvPr/>
+        </p:nvCxnSpPr>
+        <p:spPr>
+          <a:xfrm>
+            <a:off x="12286407" y="6399672"/>
+            <a:ext cx="2078754" cy="9"/>
+          </a:xfrm>
+          <a:prstGeom prst="straightConnector1">
+            <a:avLst/>
+          </a:prstGeom>
+          <a:ln w="19050">
+            <a:solidFill>
+              <a:srgbClr val="0070C0"/>
+            </a:solidFill>
+            <a:tailEnd type="arrow"/>
+          </a:ln>
+        </p:spPr>
+        <p:style>
+          <a:lnRef idx="1">
+            <a:schemeClr val="accent1"/>
+          </a:lnRef>
+          <a:fillRef idx="0">
+            <a:schemeClr val="accent1"/>
+          </a:fillRef>
+          <a:effectRef idx="0">
+            <a:schemeClr val="accent1"/>
+          </a:effectRef>
+          <a:fontRef idx="minor">
+            <a:schemeClr val="tx1"/>
+          </a:fontRef>
+        </p:style>
+      </p:cxnSp>
+      <p:sp>
+        <p:nvSpPr>
+          <p:cNvPr id="78" name="TextBox 77">
+            <a:extLst>
+              <a:ext uri="{FF2B5EF4-FFF2-40B4-BE49-F238E27FC236}">
+                <a16:creationId xmlns:a16="http://schemas.microsoft.com/office/drawing/2014/main" id="{4242BE08-165C-4A1A-93B2-29D601AE3FBC}"/>
+              </a:ext>
+            </a:extLst>
+          </p:cNvPr>
+          <p:cNvSpPr txBox="1"/>
+          <p:nvPr/>
+        </p:nvSpPr>
+        <p:spPr>
+          <a:xfrm>
+            <a:off x="12426527" y="6434195"/>
+            <a:ext cx="1738609" cy="282706"/>
+          </a:xfrm>
+          <a:prstGeom prst="rect">
+            <a:avLst/>
+          </a:prstGeom>
+          <a:noFill/>
+        </p:spPr>
+        <p:txBody>
+          <a:bodyPr wrap="square" lIns="0" tIns="0" rIns="0" bIns="0" rtlCol="0">
+            <a:spAutoFit/>
+          </a:bodyPr>
+          <a:lstStyle/>
+          <a:p>
+            <a:pPr algn="ctr"/>
+            <a:r>
+              <a:rPr lang="en-US" sz="1837" dirty="0">
+                <a:solidFill>
+                  <a:srgbClr val="0070C0"/>
+                </a:solidFill>
+              </a:rPr>
+              <a:t>CommandResult()</a:t>
+            </a:r>
+          </a:p>
+        </p:txBody>
+      </p:sp>
+      <p:cxnSp>
+        <p:nvCxnSpPr>
+          <p:cNvPr id="79" name="Straight Arrow Connector 78">
+            <a:extLst>
+              <a:ext uri="{FF2B5EF4-FFF2-40B4-BE49-F238E27FC236}">
+                <a16:creationId xmlns:a16="http://schemas.microsoft.com/office/drawing/2014/main" id="{023DB260-C27D-4139-A601-B8E1AA140385}"/>
+              </a:ext>
+            </a:extLst>
+          </p:cNvPr>
+          <p:cNvCxnSpPr>
+            <a:cxnSpLocks/>
+          </p:cNvCxnSpPr>
+          <p:nvPr/>
+        </p:nvCxnSpPr>
+        <p:spPr>
+          <a:xfrm flipH="1">
+            <a:off x="12265204" y="6899638"/>
+            <a:ext cx="2099955" cy="0"/>
+          </a:xfrm>
+          <a:prstGeom prst="straightConnector1">
+            <a:avLst/>
+          </a:prstGeom>
+          <a:ln w="19050">
+            <a:solidFill>
+              <a:srgbClr val="0070C0"/>
+            </a:solidFill>
+            <a:prstDash val="sysDash"/>
+            <a:tailEnd type="arrow"/>
+          </a:ln>
+        </p:spPr>
+        <p:style>
+          <a:lnRef idx="1">
+            <a:schemeClr val="accent1"/>
+          </a:lnRef>
+          <a:fillRef idx="0">
+            <a:schemeClr val="accent1"/>
+          </a:fillRef>
+          <a:effectRef idx="0">
+            <a:schemeClr val="accent1"/>
+          </a:effectRef>
+          <a:fontRef idx="minor">
+            <a:schemeClr val="tx1"/>
+          </a:fontRef>
+        </p:style>
+      </p:cxnSp>
+      <p:cxnSp>
+        <p:nvCxnSpPr>
+          <p:cNvPr id="84" name="Straight Arrow Connector 83">
+            <a:extLst>
+              <a:ext uri="{FF2B5EF4-FFF2-40B4-BE49-F238E27FC236}">
+                <a16:creationId xmlns:a16="http://schemas.microsoft.com/office/drawing/2014/main" id="{F34FF2A5-3D46-4D83-BECC-EEDA2A2B2F86}"/>
+              </a:ext>
+            </a:extLst>
+          </p:cNvPr>
+          <p:cNvCxnSpPr>
+            <a:cxnSpLocks/>
+          </p:cNvCxnSpPr>
+          <p:nvPr/>
+        </p:nvCxnSpPr>
+        <p:spPr>
+          <a:xfrm flipH="1">
+            <a:off x="4916093" y="7096179"/>
+            <a:ext cx="7138222" cy="0"/>
+          </a:xfrm>
+          <a:prstGeom prst="straightConnector1">
+            <a:avLst/>
+          </a:prstGeom>
+          <a:ln w="19050">
+            <a:solidFill>
+              <a:srgbClr val="0070C0"/>
+            </a:solidFill>
+            <a:prstDash val="sysDash"/>
+            <a:tailEnd type="arrow"/>
+          </a:ln>
+        </p:spPr>
+        <p:style>
+          <a:lnRef idx="1">
+            <a:schemeClr val="accent1"/>
+          </a:lnRef>
+          <a:fillRef idx="0">
+            <a:schemeClr val="accent1"/>
+          </a:fillRef>
+          <a:effectRef idx="0">
+            <a:schemeClr val="accent1"/>
+          </a:effectRef>
+          <a:fontRef idx="minor">
+            <a:schemeClr val="tx1"/>
+          </a:fontRef>
+        </p:style>
+      </p:cxnSp>
+      <p:sp>
+        <p:nvSpPr>
+          <p:cNvPr id="72" name="Freeform 58">
+            <a:extLst>
+              <a:ext uri="{FF2B5EF4-FFF2-40B4-BE49-F238E27FC236}">
+                <a16:creationId xmlns:a16="http://schemas.microsoft.com/office/drawing/2014/main" id="{33816411-FFBA-41E9-A4E2-9335B21BB43E}"/>
+              </a:ext>
+            </a:extLst>
+          </p:cNvPr>
+          <p:cNvSpPr/>
+          <p:nvPr/>
+        </p:nvSpPr>
+        <p:spPr>
+          <a:xfrm rot="18999002" flipV="1">
+            <a:off x="12287903" y="5554210"/>
+            <a:ext cx="219742" cy="153378"/>
+          </a:xfrm>
+          <a:custGeom>
+            <a:avLst/>
+            <a:gdLst>
+              <a:gd name="connsiteX0" fmla="*/ 0 w 226400"/>
+              <a:gd name="connsiteY0" fmla="*/ 32920 h 171466"/>
+              <a:gd name="connsiteX1" fmla="*/ 157018 w 226400"/>
+              <a:gd name="connsiteY1" fmla="*/ 5211 h 171466"/>
+              <a:gd name="connsiteX2" fmla="*/ 221673 w 226400"/>
+              <a:gd name="connsiteY2" fmla="*/ 125284 h 171466"/>
+              <a:gd name="connsiteX3" fmla="*/ 36945 w 226400"/>
+              <a:gd name="connsiteY3" fmla="*/ 171466 h 171466"/>
+            </a:gdLst>
+            <a:ahLst/>
+            <a:cxnLst>
+              <a:cxn ang="0">
+                <a:pos x="connsiteX0" y="connsiteY0"/>
+              </a:cxn>
+              <a:cxn ang="0">
+                <a:pos x="connsiteX1" y="connsiteY1"/>
+              </a:cxn>
+              <a:cxn ang="0">
+                <a:pos x="connsiteX2" y="connsiteY2"/>
+              </a:cxn>
+              <a:cxn ang="0">
+                <a:pos x="connsiteX3" y="connsiteY3"/>
+              </a:cxn>
+            </a:cxnLst>
+            <a:rect l="l" t="t" r="r" b="b"/>
+            <a:pathLst>
+              <a:path w="226400" h="171466">
+                <a:moveTo>
+                  <a:pt x="0" y="32920"/>
+                </a:moveTo>
+                <a:cubicBezTo>
+                  <a:pt x="60036" y="11368"/>
+                  <a:pt x="120073" y="-10183"/>
+                  <a:pt x="157018" y="5211"/>
+                </a:cubicBezTo>
+                <a:cubicBezTo>
+                  <a:pt x="193963" y="20605"/>
+                  <a:pt x="241685" y="97575"/>
+                  <a:pt x="221673" y="125284"/>
+                </a:cubicBezTo>
+                <a:cubicBezTo>
+                  <a:pt x="201661" y="152993"/>
+                  <a:pt x="119303" y="162229"/>
+                  <a:pt x="36945" y="171466"/>
+                </a:cubicBezTo>
+              </a:path>
+            </a:pathLst>
+          </a:custGeom>
+          <a:ln w="19050">
+            <a:solidFill>
+              <a:srgbClr val="0070C0"/>
+            </a:solidFill>
+            <a:headEnd type="arrow" w="med" len="med"/>
+            <a:tailEnd type="none" w="med" len="med"/>
+          </a:ln>
+        </p:spPr>
+        <p:style>
+          <a:lnRef idx="1">
+            <a:schemeClr val="accent1"/>
+          </a:lnRef>
+          <a:fillRef idx="0">
+            <a:schemeClr val="accent1"/>
+          </a:fillRef>
+          <a:effectRef idx="0">
+            <a:schemeClr val="accent1"/>
+          </a:effectRef>
+          <a:fontRef idx="minor">
+            <a:schemeClr val="tx1"/>
+          </a:fontRef>
+        </p:style>
+        <p:txBody>
+          <a:bodyPr rtlCol="0" anchor="ctr"/>
+          <a:lstStyle/>
+          <a:p>
+            <a:pPr algn="ctr"/>
+            <a:endParaRPr lang="en-SG" sz="3307" dirty="0"/>
+          </a:p>
+        </p:txBody>
+      </p:sp>
+      <p:sp>
+        <p:nvSpPr>
+          <p:cNvPr id="73" name="Freeform 58">
+            <a:extLst>
+              <a:ext uri="{FF2B5EF4-FFF2-40B4-BE49-F238E27FC236}">
+                <a16:creationId xmlns:a16="http://schemas.microsoft.com/office/drawing/2014/main" id="{4EC3C171-5BD9-4C28-BC93-1B548FC2702A}"/>
+              </a:ext>
+            </a:extLst>
+          </p:cNvPr>
+          <p:cNvSpPr/>
+          <p:nvPr/>
+        </p:nvSpPr>
+        <p:spPr>
+          <a:xfrm rot="792488" flipV="1">
+            <a:off x="12316659" y="6066614"/>
+            <a:ext cx="219742" cy="153378"/>
+          </a:xfrm>
+          <a:custGeom>
+            <a:avLst/>
+            <a:gdLst>
+              <a:gd name="connsiteX0" fmla="*/ 0 w 226400"/>
+              <a:gd name="connsiteY0" fmla="*/ 32920 h 171466"/>
+              <a:gd name="connsiteX1" fmla="*/ 157018 w 226400"/>
+              <a:gd name="connsiteY1" fmla="*/ 5211 h 171466"/>
+              <a:gd name="connsiteX2" fmla="*/ 221673 w 226400"/>
+              <a:gd name="connsiteY2" fmla="*/ 125284 h 171466"/>
+              <a:gd name="connsiteX3" fmla="*/ 36945 w 226400"/>
+              <a:gd name="connsiteY3" fmla="*/ 171466 h 171466"/>
+            </a:gdLst>
+            <a:ahLst/>
+            <a:cxnLst>
+              <a:cxn ang="0">
+                <a:pos x="connsiteX0" y="connsiteY0"/>
+              </a:cxn>
+              <a:cxn ang="0">
+                <a:pos x="connsiteX1" y="connsiteY1"/>
+              </a:cxn>
+              <a:cxn ang="0">
+                <a:pos x="connsiteX2" y="connsiteY2"/>
+              </a:cxn>
+              <a:cxn ang="0">
+                <a:pos x="connsiteX3" y="connsiteY3"/>
+              </a:cxn>
+            </a:cxnLst>
+            <a:rect l="l" t="t" r="r" b="b"/>
+            <a:pathLst>
+              <a:path w="226400" h="171466">
+                <a:moveTo>
+                  <a:pt x="0" y="32920"/>
+                </a:moveTo>
+                <a:cubicBezTo>
+                  <a:pt x="60036" y="11368"/>
+                  <a:pt x="120073" y="-10183"/>
+                  <a:pt x="157018" y="5211"/>
+                </a:cubicBezTo>
+                <a:cubicBezTo>
+                  <a:pt x="193963" y="20605"/>
+                  <a:pt x="241685" y="97575"/>
+                  <a:pt x="221673" y="125284"/>
+                </a:cubicBezTo>
+                <a:cubicBezTo>
+                  <a:pt x="201661" y="152993"/>
+                  <a:pt x="119303" y="162229"/>
+                  <a:pt x="36945" y="171466"/>
+                </a:cubicBezTo>
+              </a:path>
+            </a:pathLst>
+          </a:custGeom>
+          <a:ln w="19050">
+            <a:solidFill>
+              <a:srgbClr val="0070C0"/>
+            </a:solidFill>
+            <a:headEnd type="arrow" w="med" len="med"/>
+            <a:tailEnd type="none" w="med" len="med"/>
+          </a:ln>
+        </p:spPr>
+        <p:style>
+          <a:lnRef idx="1">
+            <a:schemeClr val="accent1"/>
+          </a:lnRef>
+          <a:fillRef idx="0">
+            <a:schemeClr val="accent1"/>
+          </a:fillRef>
+          <a:effectRef idx="0">
+            <a:schemeClr val="accent1"/>
+          </a:effectRef>
+          <a:fontRef idx="minor">
+            <a:schemeClr val="tx1"/>
+          </a:fontRef>
+        </p:style>
+        <p:txBody>
+          <a:bodyPr rtlCol="0" anchor="ctr"/>
+          <a:lstStyle/>
+          <a:p>
+            <a:pPr algn="ctr"/>
+            <a:endParaRPr lang="en-SG" sz="3307" dirty="0"/>
           </a:p>
         </p:txBody>
       </p:sp>
